--- a/teaching materials/Day 1/Day1_part_2.pptx
+++ b/teaching materials/Day 1/Day1_part_2.pptx
@@ -5,10 +5,10 @@
     <p:sldMasterId id="2147483662" r:id="rId9"/>
   </p:sldMasterIdLst>
   <p:notesMasterIdLst>
-    <p:notesMasterId r:id="rId32"/>
+    <p:notesMasterId r:id="rId31"/>
   </p:notesMasterIdLst>
   <p:handoutMasterIdLst>
-    <p:handoutMasterId r:id="rId33"/>
+    <p:handoutMasterId r:id="rId32"/>
   </p:handoutMasterIdLst>
   <p:sldIdLst>
     <p:sldId id="256" r:id="rId10"/>
@@ -23,21 +23,20 @@
     <p:sldId id="299" r:id="rId19"/>
     <p:sldId id="263" r:id="rId20"/>
     <p:sldId id="264" r:id="rId21"/>
-    <p:sldId id="291" r:id="rId22"/>
-    <p:sldId id="257" r:id="rId23"/>
-    <p:sldId id="292" r:id="rId24"/>
-    <p:sldId id="293" r:id="rId25"/>
-    <p:sldId id="262" r:id="rId26"/>
-    <p:sldId id="265" r:id="rId27"/>
-    <p:sldId id="269" r:id="rId28"/>
-    <p:sldId id="300" r:id="rId29"/>
-    <p:sldId id="301" r:id="rId30"/>
-    <p:sldId id="302" r:id="rId31"/>
+    <p:sldId id="257" r:id="rId22"/>
+    <p:sldId id="292" r:id="rId23"/>
+    <p:sldId id="293" r:id="rId24"/>
+    <p:sldId id="262" r:id="rId25"/>
+    <p:sldId id="265" r:id="rId26"/>
+    <p:sldId id="269" r:id="rId27"/>
+    <p:sldId id="300" r:id="rId28"/>
+    <p:sldId id="301" r:id="rId29"/>
+    <p:sldId id="302" r:id="rId30"/>
   </p:sldIdLst>
   <p:sldSz cx="12190413" cy="6858000"/>
   <p:notesSz cx="6858000" cy="9144000"/>
   <p:custDataLst>
-    <p:tags r:id="rId34"/>
+    <p:tags r:id="rId33"/>
   </p:custDataLst>
   <p:defaultTextStyle>
     <a:defPPr>
@@ -178,7 +177,7 @@
 <file path=ppt/revisionInfo.xml><?xml version="1.0" encoding="utf-8"?>
 <p1510:revInfo xmlns:a="http://schemas.openxmlformats.org/drawingml/2006/main" xmlns:r="http://schemas.openxmlformats.org/officeDocument/2006/relationships" xmlns:p1510="http://schemas.microsoft.com/office/powerpoint/2015/10/main">
   <p1510:revLst>
-    <p1510:client id="{FD376C26-B4CF-41E1-87D9-A59DDF770948}" v="1717" dt="2021-06-07T14:46:24.794"/>
+    <p1510:client id="{FD376C26-B4CF-41E1-87D9-A59DDF770948}" v="1753" dt="2021-06-08T14:03:47.908"/>
   </p1510:revLst>
 </p1510:revInfo>
 </file>
@@ -188,7 +187,7 @@
   <pc:docChgLst>
     <pc:chgData name="Alan Wai Hou Lio" userId="4e2e7dda-a9a8-4e9f-8daf-fb8d3a66df36" providerId="ADAL" clId="{FD376C26-B4CF-41E1-87D9-A59DDF770948}"/>
     <pc:docChg chg="undo custSel addSld delSld modSld sldOrd">
-      <pc:chgData name="Alan Wai Hou Lio" userId="4e2e7dda-a9a8-4e9f-8daf-fb8d3a66df36" providerId="ADAL" clId="{FD376C26-B4CF-41E1-87D9-A59DDF770948}" dt="2021-06-07T14:46:24.794" v="4233"/>
+      <pc:chgData name="Alan Wai Hou Lio" userId="4e2e7dda-a9a8-4e9f-8daf-fb8d3a66df36" providerId="ADAL" clId="{FD376C26-B4CF-41E1-87D9-A59DDF770948}" dt="2021-06-08T14:04:30.082" v="4270" actId="47"/>
       <pc:docMkLst>
         <pc:docMk/>
       </pc:docMkLst>
@@ -478,7 +477,7 @@
         </pc:cxnChg>
       </pc:sldChg>
       <pc:sldChg chg="delSp modSp add mod">
-        <pc:chgData name="Alan Wai Hou Lio" userId="4e2e7dda-a9a8-4e9f-8daf-fb8d3a66df36" providerId="ADAL" clId="{FD376C26-B4CF-41E1-87D9-A59DDF770948}" dt="2021-06-03T14:51:10.786" v="3624" actId="20577"/>
+        <pc:chgData name="Alan Wai Hou Lio" userId="4e2e7dda-a9a8-4e9f-8daf-fb8d3a66df36" providerId="ADAL" clId="{FD376C26-B4CF-41E1-87D9-A59DDF770948}" dt="2021-06-08T14:03:47.907" v="4269" actId="20577"/>
         <pc:sldMkLst>
           <pc:docMk/>
           <pc:sldMk cId="1976450084" sldId="262"/>
@@ -521,6 +520,22 @@
             <pc:docMk/>
             <pc:sldMk cId="1976450084" sldId="262"/>
             <ac:spMk id="22" creationId="{452E50C7-238D-483F-BAAC-5CE416ACC4E5}"/>
+          </ac:spMkLst>
+        </pc:spChg>
+        <pc:spChg chg="mod">
+          <ac:chgData name="Alan Wai Hou Lio" userId="4e2e7dda-a9a8-4e9f-8daf-fb8d3a66df36" providerId="ADAL" clId="{FD376C26-B4CF-41E1-87D9-A59DDF770948}" dt="2021-06-08T14:03:44.012" v="4266" actId="20577"/>
+          <ac:spMkLst>
+            <pc:docMk/>
+            <pc:sldMk cId="1976450084" sldId="262"/>
+            <ac:spMk id="29" creationId="{F501F9F5-647C-416A-AC19-35D2C6395722}"/>
+          </ac:spMkLst>
+        </pc:spChg>
+        <pc:spChg chg="mod">
+          <ac:chgData name="Alan Wai Hou Lio" userId="4e2e7dda-a9a8-4e9f-8daf-fb8d3a66df36" providerId="ADAL" clId="{FD376C26-B4CF-41E1-87D9-A59DDF770948}" dt="2021-06-08T14:03:47.907" v="4269" actId="20577"/>
+          <ac:spMkLst>
+            <pc:docMk/>
+            <pc:sldMk cId="1976450084" sldId="262"/>
+            <ac:spMk id="37" creationId="{B4B2DB05-BD36-46E0-B688-D2C4AB03E31D}"/>
           </ac:spMkLst>
         </pc:spChg>
         <pc:spChg chg="mod">
@@ -1238,8 +1253,8 @@
           </ac:spMkLst>
         </pc:spChg>
       </pc:sldChg>
-      <pc:sldChg chg="addSp delSp modSp add mod delAnim modAnim">
-        <pc:chgData name="Alan Wai Hou Lio" userId="4e2e7dda-a9a8-4e9f-8daf-fb8d3a66df36" providerId="ADAL" clId="{FD376C26-B4CF-41E1-87D9-A59DDF770948}" dt="2021-06-07T14:45:41.208" v="4226"/>
+      <pc:sldChg chg="addSp delSp modSp add del mod delAnim modAnim">
+        <pc:chgData name="Alan Wai Hou Lio" userId="4e2e7dda-a9a8-4e9f-8daf-fb8d3a66df36" providerId="ADAL" clId="{FD376C26-B4CF-41E1-87D9-A59DDF770948}" dt="2021-06-08T14:04:30.082" v="4270" actId="47"/>
         <pc:sldMkLst>
           <pc:docMk/>
           <pc:sldMk cId="705623479" sldId="291"/>
@@ -1342,7 +1357,7 @@
         </pc:cxnChg>
       </pc:sldChg>
       <pc:sldChg chg="modSp add mod">
-        <pc:chgData name="Alan Wai Hou Lio" userId="4e2e7dda-a9a8-4e9f-8daf-fb8d3a66df36" providerId="ADAL" clId="{FD376C26-B4CF-41E1-87D9-A59DDF770948}" dt="2021-06-03T14:51:15.704" v="3625" actId="20577"/>
+        <pc:chgData name="Alan Wai Hou Lio" userId="4e2e7dda-a9a8-4e9f-8daf-fb8d3a66df36" providerId="ADAL" clId="{FD376C26-B4CF-41E1-87D9-A59DDF770948}" dt="2021-06-08T14:03:12.786" v="4263"/>
         <pc:sldMkLst>
           <pc:docMk/>
           <pc:sldMk cId="3288464396" sldId="292"/>
@@ -1356,7 +1371,7 @@
           </ac:spMkLst>
         </pc:spChg>
         <pc:spChg chg="mod">
-          <ac:chgData name="Alan Wai Hou Lio" userId="4e2e7dda-a9a8-4e9f-8daf-fb8d3a66df36" providerId="ADAL" clId="{FD376C26-B4CF-41E1-87D9-A59DDF770948}" dt="2021-06-03T13:35:07.583" v="2953"/>
+          <ac:chgData name="Alan Wai Hou Lio" userId="4e2e7dda-a9a8-4e9f-8daf-fb8d3a66df36" providerId="ADAL" clId="{FD376C26-B4CF-41E1-87D9-A59DDF770948}" dt="2021-06-08T14:03:12.786" v="4263"/>
           <ac:spMkLst>
             <pc:docMk/>
             <pc:sldMk cId="3288464396" sldId="292"/>
@@ -14522,2522 +14537,6 @@
       </p:grpSpPr>
       <p:sp>
         <p:nvSpPr>
-          <p:cNvPr id="2" name="Title 1">
-            <a:extLst>
-              <a:ext uri="{FF2B5EF4-FFF2-40B4-BE49-F238E27FC236}">
-                <a16:creationId xmlns:a16="http://schemas.microsoft.com/office/drawing/2014/main" id="{E1644768-FFBC-44AF-B3CA-03C9DC67261F}"/>
-              </a:ext>
-            </a:extLst>
-          </p:cNvPr>
-          <p:cNvSpPr>
-            <a:spLocks noGrp="1"/>
-          </p:cNvSpPr>
-          <p:nvPr>
-            <p:ph type="title"/>
-          </p:nvPr>
-        </p:nvSpPr>
-        <p:spPr/>
-        <p:txBody>
-          <a:bodyPr/>
-          <a:lstStyle/>
-          <a:p>
-            <a:r>
-              <a:rPr lang="en-GB" dirty="0"/>
-              <a:t>Region 2: Transient behaviour</a:t>
-            </a:r>
-          </a:p>
-        </p:txBody>
-      </p:sp>
-      <mc:AlternateContent xmlns:mc="http://schemas.openxmlformats.org/markup-compatibility/2006" xmlns:a14="http://schemas.microsoft.com/office/drawing/2010/main">
-        <mc:Choice Requires="a14">
-          <p:sp>
-            <p:nvSpPr>
-              <p:cNvPr id="3" name="Content Placeholder 2">
-                <a:extLst>
-                  <a:ext uri="{FF2B5EF4-FFF2-40B4-BE49-F238E27FC236}">
-                    <a16:creationId xmlns:a16="http://schemas.microsoft.com/office/drawing/2014/main" id="{1F3DD503-9D4E-4003-9335-73B49C10C23A}"/>
-                  </a:ext>
-                </a:extLst>
-              </p:cNvPr>
-              <p:cNvSpPr>
-                <a:spLocks noGrp="1"/>
-              </p:cNvSpPr>
-              <p:nvPr>
-                <p:ph idx="1"/>
-              </p:nvPr>
-            </p:nvSpPr>
-            <p:spPr>
-              <a:xfrm>
-                <a:off x="1342678" y="1416561"/>
-                <a:ext cx="6172200" cy="4545578"/>
-              </a:xfrm>
-            </p:spPr>
-            <p:txBody>
-              <a:bodyPr/>
-              <a:lstStyle/>
-              <a:p>
-                <a:r>
-                  <a:rPr lang="en-GB" sz="1600" dirty="0"/>
-                  <a:t>Simplified model of rotor dynamics:</a:t>
-                </a:r>
-              </a:p>
-              <a:p>
-                <a:pPr lvl="1"/>
-                <a14:m>
-                  <m:oMath xmlns:m="http://schemas.openxmlformats.org/officeDocument/2006/math">
-                    <m:d>
-                      <m:dPr>
-                        <m:ctrlPr>
-                          <a:rPr lang="en-US" sz="1600" i="1">
-                            <a:latin typeface="Cambria Math" panose="02040503050406030204" pitchFamily="18" charset="0"/>
-                          </a:rPr>
-                        </m:ctrlPr>
-                      </m:dPr>
-                      <m:e>
-                        <m:sSub>
-                          <m:sSubPr>
-                            <m:ctrlPr>
-                              <a:rPr lang="en-US" sz="1600" i="1">
-                                <a:latin typeface="Cambria Math" panose="02040503050406030204" pitchFamily="18" charset="0"/>
-                              </a:rPr>
-                            </m:ctrlPr>
-                          </m:sSubPr>
-                          <m:e>
-                            <m:r>
-                              <a:rPr lang="en-US" sz="1600" i="1">
-                                <a:latin typeface="Cambria Math" panose="02040503050406030204" pitchFamily="18" charset="0"/>
-                              </a:rPr>
-                              <m:t>𝐼</m:t>
-                            </m:r>
-                          </m:e>
-                          <m:sub>
-                            <m:r>
-                              <a:rPr lang="en-US" sz="1600" i="1">
-                                <a:latin typeface="Cambria Math" panose="02040503050406030204" pitchFamily="18" charset="0"/>
-                              </a:rPr>
-                              <m:t>𝑟</m:t>
-                            </m:r>
-                          </m:sub>
-                        </m:sSub>
-                        <m:r>
-                          <a:rPr lang="en-US" sz="1600" i="1">
-                            <a:latin typeface="Cambria Math" panose="02040503050406030204" pitchFamily="18" charset="0"/>
-                          </a:rPr>
-                          <m:t>+</m:t>
-                        </m:r>
-                        <m:sSubSup>
-                          <m:sSubSupPr>
-                            <m:ctrlPr>
-                              <a:rPr lang="en-US" sz="1600" i="1">
-                                <a:latin typeface="Cambria Math" panose="02040503050406030204" pitchFamily="18" charset="0"/>
-                              </a:rPr>
-                            </m:ctrlPr>
-                          </m:sSubSupPr>
-                          <m:e>
-                            <m:r>
-                              <a:rPr lang="en-US" sz="1600" i="1">
-                                <a:latin typeface="Cambria Math" panose="02040503050406030204" pitchFamily="18" charset="0"/>
-                              </a:rPr>
-                              <m:t>𝑛</m:t>
-                            </m:r>
-                          </m:e>
-                          <m:sub>
-                            <m:r>
-                              <a:rPr lang="en-US" sz="1600" i="1">
-                                <a:latin typeface="Cambria Math" panose="02040503050406030204" pitchFamily="18" charset="0"/>
-                              </a:rPr>
-                              <m:t>𝑔</m:t>
-                            </m:r>
-                          </m:sub>
-                          <m:sup>
-                            <m:r>
-                              <a:rPr lang="en-US" sz="1600" i="1">
-                                <a:latin typeface="Cambria Math" panose="02040503050406030204" pitchFamily="18" charset="0"/>
-                              </a:rPr>
-                              <m:t>2</m:t>
-                            </m:r>
-                          </m:sup>
-                        </m:sSubSup>
-                        <m:sSub>
-                          <m:sSubPr>
-                            <m:ctrlPr>
-                              <a:rPr lang="en-US" sz="1600" i="1">
-                                <a:latin typeface="Cambria Math" panose="02040503050406030204" pitchFamily="18" charset="0"/>
-                              </a:rPr>
-                            </m:ctrlPr>
-                          </m:sSubPr>
-                          <m:e>
-                            <m:r>
-                              <a:rPr lang="en-US" sz="1600" i="1">
-                                <a:latin typeface="Cambria Math" panose="02040503050406030204" pitchFamily="18" charset="0"/>
-                              </a:rPr>
-                              <m:t>𝐼</m:t>
-                            </m:r>
-                          </m:e>
-                          <m:sub>
-                            <m:r>
-                              <a:rPr lang="en-US" sz="1600" i="1">
-                                <a:latin typeface="Cambria Math" panose="02040503050406030204" pitchFamily="18" charset="0"/>
-                              </a:rPr>
-                              <m:t>𝑔</m:t>
-                            </m:r>
-                          </m:sub>
-                        </m:sSub>
-                      </m:e>
-                    </m:d>
-                    <m:acc>
-                      <m:accPr>
-                        <m:chr m:val="̇"/>
-                        <m:ctrlPr>
-                          <a:rPr lang="en-GB" sz="1600" b="0" i="1" smtClean="0">
-                            <a:latin typeface="Cambria Math" panose="02040503050406030204" pitchFamily="18" charset="0"/>
-                          </a:rPr>
-                        </m:ctrlPr>
-                      </m:accPr>
-                      <m:e>
-                        <m:r>
-                          <m:rPr>
-                            <m:sty m:val="p"/>
-                          </m:rPr>
-                          <a:rPr lang="en-GB" sz="1600" b="0" i="0" smtClean="0">
-                            <a:latin typeface="Cambria Math" panose="02040503050406030204" pitchFamily="18" charset="0"/>
-                          </a:rPr>
-                          <m:t>Ω</m:t>
-                        </m:r>
-                      </m:e>
-                    </m:acc>
-                    <m:r>
-                      <a:rPr lang="en-GB" sz="1600" b="0" i="0" smtClean="0">
-                        <a:latin typeface="Cambria Math" panose="02040503050406030204" pitchFamily="18" charset="0"/>
-                      </a:rPr>
-                      <m:t>=</m:t>
-                    </m:r>
-                    <m:r>
-                      <a:rPr lang="en-US" sz="1600" b="0" i="1" smtClean="0">
-                        <a:latin typeface="Cambria Math" panose="02040503050406030204" pitchFamily="18" charset="0"/>
-                      </a:rPr>
-                      <m:t>𝑄</m:t>
-                    </m:r>
-                    <m:r>
-                      <a:rPr lang="en-GB" sz="1600" b="0" i="0" smtClean="0">
-                        <a:latin typeface="Cambria Math" panose="02040503050406030204" pitchFamily="18" charset="0"/>
-                      </a:rPr>
-                      <m:t>(</m:t>
-                    </m:r>
-                    <m:r>
-                      <a:rPr lang="en-GB" sz="1600" b="0" i="1" smtClean="0">
-                        <a:latin typeface="Cambria Math" panose="02040503050406030204" pitchFamily="18" charset="0"/>
-                      </a:rPr>
-                      <m:t>𝜆</m:t>
-                    </m:r>
-                    <m:r>
-                      <a:rPr lang="en-GB" sz="1600" b="0" i="1" smtClean="0">
-                        <a:latin typeface="Cambria Math" panose="02040503050406030204" pitchFamily="18" charset="0"/>
-                      </a:rPr>
-                      <m:t>,</m:t>
-                    </m:r>
-                    <m:r>
-                      <a:rPr lang="en-GB" sz="1600" b="0" i="1" smtClean="0">
-                        <a:latin typeface="Cambria Math" panose="02040503050406030204" pitchFamily="18" charset="0"/>
-                      </a:rPr>
-                      <m:t>𝜃</m:t>
-                    </m:r>
-                    <m:r>
-                      <a:rPr lang="en-GB" sz="1600" b="0" i="1" smtClean="0">
-                        <a:latin typeface="Cambria Math" panose="02040503050406030204" pitchFamily="18" charset="0"/>
-                      </a:rPr>
-                      <m:t>)</m:t>
-                    </m:r>
-                    <m:r>
-                      <a:rPr lang="en-GB" sz="1600" b="0" i="0" smtClean="0">
-                        <a:latin typeface="Cambria Math" panose="02040503050406030204" pitchFamily="18" charset="0"/>
-                      </a:rPr>
-                      <m:t> −</m:t>
-                    </m:r>
-                    <m:sSub>
-                      <m:sSubPr>
-                        <m:ctrlPr>
-                          <a:rPr lang="en-GB" sz="1600" b="0" i="1" smtClean="0">
-                            <a:latin typeface="Cambria Math" panose="02040503050406030204" pitchFamily="18" charset="0"/>
-                          </a:rPr>
-                        </m:ctrlPr>
-                      </m:sSubPr>
-                      <m:e>
-                        <m:f>
-                          <m:fPr>
-                            <m:ctrlPr>
-                              <a:rPr lang="en-GB" sz="1600" b="0" i="1" smtClean="0">
-                                <a:latin typeface="Cambria Math" panose="02040503050406030204" pitchFamily="18" charset="0"/>
-                              </a:rPr>
-                            </m:ctrlPr>
-                          </m:fPr>
-                          <m:num>
-                            <m:r>
-                              <a:rPr lang="en-US" sz="1600" b="0" i="1" smtClean="0">
-                                <a:latin typeface="Cambria Math" panose="02040503050406030204" pitchFamily="18" charset="0"/>
-                              </a:rPr>
-                              <m:t>1</m:t>
-                            </m:r>
-                          </m:num>
-                          <m:den>
-                            <m:r>
-                              <a:rPr lang="en-US" sz="1600" b="0" i="1" smtClean="0">
-                                <a:latin typeface="Cambria Math" panose="02040503050406030204" pitchFamily="18" charset="0"/>
-                              </a:rPr>
-                              <m:t>𝜂</m:t>
-                            </m:r>
-                          </m:den>
-                        </m:f>
-                        <m:r>
-                          <m:rPr>
-                            <m:sty m:val="p"/>
-                          </m:rPr>
-                          <a:rPr lang="en-GB" sz="1600" b="0" i="0" smtClean="0">
-                            <a:latin typeface="Cambria Math" panose="02040503050406030204" pitchFamily="18" charset="0"/>
-                          </a:rPr>
-                          <m:t>Q</m:t>
-                        </m:r>
-                      </m:e>
-                      <m:sub>
-                        <m:r>
-                          <m:rPr>
-                            <m:sty m:val="p"/>
-                          </m:rPr>
-                          <a:rPr lang="en-GB" sz="1600" b="0" i="0" smtClean="0">
-                            <a:latin typeface="Cambria Math" panose="02040503050406030204" pitchFamily="18" charset="0"/>
-                          </a:rPr>
-                          <m:t>e</m:t>
-                        </m:r>
-                      </m:sub>
-                    </m:sSub>
-                  </m:oMath>
-                </a14:m>
-                <a:r>
-                  <a:rPr lang="en-GB" sz="1600" dirty="0"/>
-                  <a:t> ------- (1) </a:t>
-                </a:r>
-              </a:p>
-              <a:p>
-                <a:pPr lvl="1"/>
-                <a:endParaRPr lang="en-GB" sz="1600" dirty="0"/>
-              </a:p>
-              <a:p>
-                <a:pPr lvl="1"/>
-                <a:endParaRPr lang="en-GB" sz="1600" dirty="0"/>
-              </a:p>
-              <a:p>
-                <a:r>
-                  <a:rPr lang="en-GB" sz="1600" dirty="0"/>
-                  <a:t>Let’s balancing the rotor dynamics </a:t>
-                </a:r>
-              </a:p>
-              <a:p>
-                <a:pPr lvl="1"/>
-                <a14:m>
-                  <m:oMath xmlns:m="http://schemas.openxmlformats.org/officeDocument/2006/math">
-                    <m:r>
-                      <a:rPr lang="en-US" sz="1600" b="0" i="1" smtClean="0">
-                        <a:latin typeface="Cambria Math" panose="02040503050406030204" pitchFamily="18" charset="0"/>
-                      </a:rPr>
-                      <m:t>𝑄</m:t>
-                    </m:r>
-                    <m:d>
-                      <m:dPr>
-                        <m:ctrlPr>
-                          <a:rPr lang="en-GB" sz="1600" b="0" i="1" smtClean="0">
-                            <a:latin typeface="Cambria Math" panose="02040503050406030204" pitchFamily="18" charset="0"/>
-                          </a:rPr>
-                        </m:ctrlPr>
-                      </m:dPr>
-                      <m:e>
-                        <m:r>
-                          <a:rPr lang="en-GB" sz="1600" b="0" i="1" smtClean="0">
-                            <a:latin typeface="Cambria Math" panose="02040503050406030204" pitchFamily="18" charset="0"/>
-                          </a:rPr>
-                          <m:t>𝜆</m:t>
-                        </m:r>
-                        <m:r>
-                          <a:rPr lang="en-GB" sz="1600" b="0" i="1" smtClean="0">
-                            <a:latin typeface="Cambria Math" panose="02040503050406030204" pitchFamily="18" charset="0"/>
-                          </a:rPr>
-                          <m:t>,</m:t>
-                        </m:r>
-                        <m:r>
-                          <a:rPr lang="en-GB" sz="1600" b="0" i="1" smtClean="0">
-                            <a:latin typeface="Cambria Math" panose="02040503050406030204" pitchFamily="18" charset="0"/>
-                          </a:rPr>
-                          <m:t>𝜃</m:t>
-                        </m:r>
-                      </m:e>
-                    </m:d>
-                    <m:r>
-                      <a:rPr lang="en-GB" sz="1600" b="0" i="1" smtClean="0">
-                        <a:latin typeface="Cambria Math" panose="02040503050406030204" pitchFamily="18" charset="0"/>
-                      </a:rPr>
-                      <m:t>=</m:t>
-                    </m:r>
-                    <m:f>
-                      <m:fPr>
-                        <m:ctrlPr>
-                          <a:rPr lang="en-GB" sz="1600" b="0" i="1" smtClean="0">
-                            <a:latin typeface="Cambria Math" panose="02040503050406030204" pitchFamily="18" charset="0"/>
-                          </a:rPr>
-                        </m:ctrlPr>
-                      </m:fPr>
-                      <m:num>
-                        <m:r>
-                          <a:rPr lang="en-GB" sz="1600" b="0" i="1" smtClean="0">
-                            <a:latin typeface="Cambria Math" panose="02040503050406030204" pitchFamily="18" charset="0"/>
-                          </a:rPr>
-                          <m:t>𝑃</m:t>
-                        </m:r>
-                      </m:num>
-                      <m:den>
-                        <m:r>
-                          <m:rPr>
-                            <m:sty m:val="p"/>
-                          </m:rPr>
-                          <a:rPr lang="en-GB" sz="1600" b="0" i="0" smtClean="0">
-                            <a:latin typeface="Cambria Math" panose="02040503050406030204" pitchFamily="18" charset="0"/>
-                          </a:rPr>
-                          <m:t>Ω</m:t>
-                        </m:r>
-                      </m:den>
-                    </m:f>
-                    <m:r>
-                      <a:rPr lang="en-GB" sz="1600" b="0" i="1" smtClean="0">
-                        <a:latin typeface="Cambria Math" panose="02040503050406030204" pitchFamily="18" charset="0"/>
-                      </a:rPr>
-                      <m:t>=</m:t>
-                    </m:r>
-                    <m:f>
-                      <m:fPr>
-                        <m:ctrlPr>
-                          <a:rPr lang="en-GB" sz="1600" b="0" i="1" smtClean="0">
-                            <a:latin typeface="Cambria Math" panose="02040503050406030204" pitchFamily="18" charset="0"/>
-                          </a:rPr>
-                        </m:ctrlPr>
-                      </m:fPr>
-                      <m:num>
-                        <m:f>
-                          <m:fPr>
-                            <m:ctrlPr>
-                              <a:rPr lang="en-GB" sz="1600" b="0" i="1" smtClean="0">
-                                <a:latin typeface="Cambria Math" panose="02040503050406030204" pitchFamily="18" charset="0"/>
-                              </a:rPr>
-                            </m:ctrlPr>
-                          </m:fPr>
-                          <m:num>
-                            <m:r>
-                              <a:rPr lang="en-GB" sz="1600" b="0" i="1" smtClean="0">
-                                <a:latin typeface="Cambria Math" panose="02040503050406030204" pitchFamily="18" charset="0"/>
-                              </a:rPr>
-                              <m:t>1</m:t>
-                            </m:r>
-                          </m:num>
-                          <m:den>
-                            <m:r>
-                              <a:rPr lang="en-GB" sz="1600" b="0" i="1" smtClean="0">
-                                <a:latin typeface="Cambria Math" panose="02040503050406030204" pitchFamily="18" charset="0"/>
-                              </a:rPr>
-                              <m:t>2</m:t>
-                            </m:r>
-                          </m:den>
-                        </m:f>
-                        <m:r>
-                          <a:rPr lang="en-GB" sz="1600" i="1">
-                            <a:latin typeface="Cambria Math" panose="02040503050406030204" pitchFamily="18" charset="0"/>
-                          </a:rPr>
-                          <m:t>𝜌𝜋</m:t>
-                        </m:r>
-                        <m:sSup>
-                          <m:sSupPr>
-                            <m:ctrlPr>
-                              <a:rPr lang="en-GB" sz="1600" i="1">
-                                <a:latin typeface="Cambria Math" panose="02040503050406030204" pitchFamily="18" charset="0"/>
-                              </a:rPr>
-                            </m:ctrlPr>
-                          </m:sSupPr>
-                          <m:e>
-                            <m:r>
-                              <a:rPr lang="en-GB" sz="1600" i="1">
-                                <a:latin typeface="Cambria Math" panose="02040503050406030204" pitchFamily="18" charset="0"/>
-                              </a:rPr>
-                              <m:t>𝑅</m:t>
-                            </m:r>
-                          </m:e>
-                          <m:sup>
-                            <m:r>
-                              <a:rPr lang="en-GB" sz="1600" i="1">
-                                <a:latin typeface="Cambria Math" panose="02040503050406030204" pitchFamily="18" charset="0"/>
-                              </a:rPr>
-                              <m:t>2</m:t>
-                            </m:r>
-                          </m:sup>
-                        </m:sSup>
-                        <m:sSub>
-                          <m:sSubPr>
-                            <m:ctrlPr>
-                              <a:rPr lang="en-GB" sz="1600" i="1">
-                                <a:latin typeface="Cambria Math" panose="02040503050406030204" pitchFamily="18" charset="0"/>
-                              </a:rPr>
-                            </m:ctrlPr>
-                          </m:sSubPr>
-                          <m:e>
-                            <m:r>
-                              <a:rPr lang="en-GB" sz="1600" i="1">
-                                <a:latin typeface="Cambria Math" panose="02040503050406030204" pitchFamily="18" charset="0"/>
-                              </a:rPr>
-                              <m:t>𝐶</m:t>
-                            </m:r>
-                          </m:e>
-                          <m:sub>
-                            <m:r>
-                              <a:rPr lang="en-GB" sz="1600" i="1">
-                                <a:latin typeface="Cambria Math" panose="02040503050406030204" pitchFamily="18" charset="0"/>
-                              </a:rPr>
-                              <m:t>𝑝</m:t>
-                            </m:r>
-                          </m:sub>
-                        </m:sSub>
-                        <m:d>
-                          <m:dPr>
-                            <m:ctrlPr>
-                              <a:rPr lang="en-GB" sz="1600" i="1">
-                                <a:latin typeface="Cambria Math" panose="02040503050406030204" pitchFamily="18" charset="0"/>
-                              </a:rPr>
-                            </m:ctrlPr>
-                          </m:dPr>
-                          <m:e>
-                            <m:r>
-                              <a:rPr lang="en-GB" sz="1600" i="1">
-                                <a:latin typeface="Cambria Math" panose="02040503050406030204" pitchFamily="18" charset="0"/>
-                              </a:rPr>
-                              <m:t>𝜆</m:t>
-                            </m:r>
-                            <m:r>
-                              <a:rPr lang="en-GB" sz="1600" i="1">
-                                <a:latin typeface="Cambria Math" panose="02040503050406030204" pitchFamily="18" charset="0"/>
-                              </a:rPr>
-                              <m:t>,</m:t>
-                            </m:r>
-                            <m:r>
-                              <a:rPr lang="en-GB" sz="1600" i="1">
-                                <a:latin typeface="Cambria Math" panose="02040503050406030204" pitchFamily="18" charset="0"/>
-                              </a:rPr>
-                              <m:t>𝜃</m:t>
-                            </m:r>
-                          </m:e>
-                        </m:d>
-                        <m:sSup>
-                          <m:sSupPr>
-                            <m:ctrlPr>
-                              <a:rPr lang="en-GB" sz="1600" i="1">
-                                <a:latin typeface="Cambria Math" panose="02040503050406030204" pitchFamily="18" charset="0"/>
-                              </a:rPr>
-                            </m:ctrlPr>
-                          </m:sSupPr>
-                          <m:e>
-                            <m:r>
-                              <a:rPr lang="en-GB" sz="1600" i="1">
-                                <a:latin typeface="Cambria Math" panose="02040503050406030204" pitchFamily="18" charset="0"/>
-                              </a:rPr>
-                              <m:t>𝑣</m:t>
-                            </m:r>
-                          </m:e>
-                          <m:sup>
-                            <m:r>
-                              <a:rPr lang="en-GB" sz="1600" i="1">
-                                <a:latin typeface="Cambria Math" panose="02040503050406030204" pitchFamily="18" charset="0"/>
-                              </a:rPr>
-                              <m:t>3</m:t>
-                            </m:r>
-                          </m:sup>
-                        </m:sSup>
-                      </m:num>
-                      <m:den>
-                        <m:r>
-                          <m:rPr>
-                            <m:sty m:val="p"/>
-                          </m:rPr>
-                          <a:rPr lang="en-GB" sz="1600" b="0" i="0" smtClean="0">
-                            <a:latin typeface="Cambria Math" panose="02040503050406030204" pitchFamily="18" charset="0"/>
-                          </a:rPr>
-                          <m:t>Ω</m:t>
-                        </m:r>
-                      </m:den>
-                    </m:f>
-                  </m:oMath>
-                </a14:m>
-                <a:br>
-                  <a:rPr lang="en-GB" sz="1600" b="0" dirty="0"/>
-                </a:br>
-                <a:r>
-                  <a:rPr lang="en-GB" sz="1600" b="0" dirty="0"/>
-                  <a:t>	      </a:t>
-                </a:r>
-                <a14:m>
-                  <m:oMath xmlns:m="http://schemas.openxmlformats.org/officeDocument/2006/math">
-                    <m:r>
-                      <a:rPr lang="en-GB" sz="1600" b="0" i="1" smtClean="0">
-                        <a:latin typeface="Cambria Math" panose="02040503050406030204" pitchFamily="18" charset="0"/>
-                      </a:rPr>
-                      <m:t>=</m:t>
-                    </m:r>
-                    <m:f>
-                      <m:fPr>
-                        <m:ctrlPr>
-                          <a:rPr lang="en-GB" sz="1600" b="0" i="1" smtClean="0">
-                            <a:latin typeface="Cambria Math" panose="02040503050406030204" pitchFamily="18" charset="0"/>
-                          </a:rPr>
-                        </m:ctrlPr>
-                      </m:fPr>
-                      <m:num>
-                        <m:r>
-                          <a:rPr lang="en-GB" sz="1600" b="0" i="1" smtClean="0">
-                            <a:latin typeface="Cambria Math" panose="02040503050406030204" pitchFamily="18" charset="0"/>
-                          </a:rPr>
-                          <m:t>1</m:t>
-                        </m:r>
-                      </m:num>
-                      <m:den>
-                        <m:r>
-                          <a:rPr lang="en-GB" sz="1600" b="0" i="1" smtClean="0">
-                            <a:latin typeface="Cambria Math" panose="02040503050406030204" pitchFamily="18" charset="0"/>
-                          </a:rPr>
-                          <m:t>2</m:t>
-                        </m:r>
-                      </m:den>
-                    </m:f>
-                    <m:r>
-                      <a:rPr lang="en-GB" sz="1600" b="0" i="1" smtClean="0">
-                        <a:latin typeface="Cambria Math" panose="02040503050406030204" pitchFamily="18" charset="0"/>
-                      </a:rPr>
-                      <m:t>𝜌𝜋</m:t>
-                    </m:r>
-                    <m:sSup>
-                      <m:sSupPr>
-                        <m:ctrlPr>
-                          <a:rPr lang="en-GB" sz="1600" b="0" i="1" smtClean="0">
-                            <a:latin typeface="Cambria Math" panose="02040503050406030204" pitchFamily="18" charset="0"/>
-                          </a:rPr>
-                        </m:ctrlPr>
-                      </m:sSupPr>
-                      <m:e>
-                        <m:r>
-                          <a:rPr lang="en-GB" sz="1600" b="0" i="1" smtClean="0">
-                            <a:latin typeface="Cambria Math" panose="02040503050406030204" pitchFamily="18" charset="0"/>
-                          </a:rPr>
-                          <m:t>𝑅</m:t>
-                        </m:r>
-                      </m:e>
-                      <m:sup>
-                        <m:r>
-                          <a:rPr lang="en-GB" sz="1600" b="0" i="1" smtClean="0">
-                            <a:latin typeface="Cambria Math" panose="02040503050406030204" pitchFamily="18" charset="0"/>
-                          </a:rPr>
-                          <m:t>5</m:t>
-                        </m:r>
-                      </m:sup>
-                    </m:sSup>
-                    <m:sSub>
-                      <m:sSubPr>
-                        <m:ctrlPr>
-                          <a:rPr lang="en-GB" sz="1600" i="1">
-                            <a:latin typeface="Cambria Math" panose="02040503050406030204" pitchFamily="18" charset="0"/>
-                          </a:rPr>
-                        </m:ctrlPr>
-                      </m:sSubPr>
-                      <m:e>
-                        <m:r>
-                          <a:rPr lang="en-GB" sz="1600" i="1">
-                            <a:latin typeface="Cambria Math" panose="02040503050406030204" pitchFamily="18" charset="0"/>
-                          </a:rPr>
-                          <m:t>𝐶</m:t>
-                        </m:r>
-                      </m:e>
-                      <m:sub>
-                        <m:r>
-                          <a:rPr lang="en-GB" sz="1600" i="1">
-                            <a:latin typeface="Cambria Math" panose="02040503050406030204" pitchFamily="18" charset="0"/>
-                          </a:rPr>
-                          <m:t>𝑝</m:t>
-                        </m:r>
-                      </m:sub>
-                    </m:sSub>
-                    <m:d>
-                      <m:dPr>
-                        <m:ctrlPr>
-                          <a:rPr lang="en-GB" sz="1600" i="1">
-                            <a:latin typeface="Cambria Math" panose="02040503050406030204" pitchFamily="18" charset="0"/>
-                          </a:rPr>
-                        </m:ctrlPr>
-                      </m:dPr>
-                      <m:e>
-                        <m:r>
-                          <a:rPr lang="en-GB" sz="1600" i="1">
-                            <a:latin typeface="Cambria Math" panose="02040503050406030204" pitchFamily="18" charset="0"/>
-                          </a:rPr>
-                          <m:t>𝜆</m:t>
-                        </m:r>
-                        <m:r>
-                          <a:rPr lang="en-GB" sz="1600" i="1">
-                            <a:latin typeface="Cambria Math" panose="02040503050406030204" pitchFamily="18" charset="0"/>
-                          </a:rPr>
-                          <m:t>,</m:t>
-                        </m:r>
-                        <m:r>
-                          <a:rPr lang="en-GB" sz="1600" i="1">
-                            <a:latin typeface="Cambria Math" panose="02040503050406030204" pitchFamily="18" charset="0"/>
-                          </a:rPr>
-                          <m:t>𝜃</m:t>
-                        </m:r>
-                      </m:e>
-                    </m:d>
-                    <m:sSup>
-                      <m:sSupPr>
-                        <m:ctrlPr>
-                          <a:rPr lang="en-GB" sz="1600" b="0" i="1" smtClean="0">
-                            <a:latin typeface="Cambria Math" panose="02040503050406030204" pitchFamily="18" charset="0"/>
-                          </a:rPr>
-                        </m:ctrlPr>
-                      </m:sSupPr>
-                      <m:e>
-                        <m:r>
-                          <m:rPr>
-                            <m:sty m:val="p"/>
-                          </m:rPr>
-                          <a:rPr lang="en-GB" sz="1600" b="0" i="0" smtClean="0">
-                            <a:latin typeface="Cambria Math" panose="02040503050406030204" pitchFamily="18" charset="0"/>
-                          </a:rPr>
-                          <m:t>Ω</m:t>
-                        </m:r>
-                      </m:e>
-                      <m:sup>
-                        <m:r>
-                          <a:rPr lang="en-GB" sz="1600" b="0" i="1" smtClean="0">
-                            <a:latin typeface="Cambria Math" panose="02040503050406030204" pitchFamily="18" charset="0"/>
-                          </a:rPr>
-                          <m:t>2</m:t>
-                        </m:r>
-                      </m:sup>
-                    </m:sSup>
-                    <m:r>
-                      <a:rPr lang="en-GB" sz="1600" b="0" i="1" smtClean="0">
-                        <a:latin typeface="Cambria Math" panose="02040503050406030204" pitchFamily="18" charset="0"/>
-                      </a:rPr>
-                      <m:t>/</m:t>
-                    </m:r>
-                    <m:sSup>
-                      <m:sSupPr>
-                        <m:ctrlPr>
-                          <a:rPr lang="en-GB" sz="1600" b="0" i="1" smtClean="0">
-                            <a:latin typeface="Cambria Math" panose="02040503050406030204" pitchFamily="18" charset="0"/>
-                          </a:rPr>
-                        </m:ctrlPr>
-                      </m:sSupPr>
-                      <m:e>
-                        <m:r>
-                          <a:rPr lang="en-GB" sz="1600" b="0" i="1" smtClean="0">
-                            <a:latin typeface="Cambria Math" panose="02040503050406030204" pitchFamily="18" charset="0"/>
-                          </a:rPr>
-                          <m:t>𝜆</m:t>
-                        </m:r>
-                      </m:e>
-                      <m:sup>
-                        <m:r>
-                          <a:rPr lang="en-GB" sz="1600" b="0" i="1" smtClean="0">
-                            <a:latin typeface="Cambria Math" panose="02040503050406030204" pitchFamily="18" charset="0"/>
-                          </a:rPr>
-                          <m:t>3</m:t>
-                        </m:r>
-                      </m:sup>
-                    </m:sSup>
-                  </m:oMath>
-                </a14:m>
-                <a:r>
-                  <a:rPr lang="en-GB" sz="1600" dirty="0"/>
-                  <a:t>    ---- (2)</a:t>
-                </a:r>
-              </a:p>
-              <a:p>
-                <a:pPr lvl="1"/>
-                <a:endParaRPr lang="en-GB" sz="1600" dirty="0"/>
-              </a:p>
-              <a:p>
-                <a:r>
-                  <a:rPr lang="en-GB" sz="1600" dirty="0"/>
-                  <a:t>Standard torque controller</a:t>
-                </a:r>
-              </a:p>
-              <a:p>
-                <a:pPr lvl="1"/>
-                <a14:m>
-                  <m:oMath xmlns:m="http://schemas.openxmlformats.org/officeDocument/2006/math">
-                    <m:sSub>
-                      <m:sSubPr>
-                        <m:ctrlPr>
-                          <a:rPr lang="en-GB" sz="1600" b="0" i="1" smtClean="0">
-                            <a:latin typeface="Cambria Math" panose="02040503050406030204" pitchFamily="18" charset="0"/>
-                          </a:rPr>
-                        </m:ctrlPr>
-                      </m:sSubPr>
-                      <m:e>
-                        <m:r>
-                          <a:rPr lang="en-GB" sz="1600" b="0" i="1" smtClean="0">
-                            <a:latin typeface="Cambria Math" panose="02040503050406030204" pitchFamily="18" charset="0"/>
-                          </a:rPr>
-                          <m:t>𝑄</m:t>
-                        </m:r>
-                      </m:e>
-                      <m:sub>
-                        <m:r>
-                          <a:rPr lang="en-GB" sz="1600" b="0" i="1" smtClean="0">
-                            <a:latin typeface="Cambria Math" panose="02040503050406030204" pitchFamily="18" charset="0"/>
-                          </a:rPr>
-                          <m:t>𝑒</m:t>
-                        </m:r>
-                      </m:sub>
-                    </m:sSub>
-                    <m:r>
-                      <a:rPr lang="en-GB" sz="1600" b="0" i="1" smtClean="0">
-                        <a:latin typeface="Cambria Math" panose="02040503050406030204" pitchFamily="18" charset="0"/>
-                      </a:rPr>
-                      <m:t>=</m:t>
-                    </m:r>
-                    <m:r>
-                      <a:rPr lang="en-GB" sz="1600" b="0" i="1" smtClean="0">
-                        <a:latin typeface="Cambria Math" panose="02040503050406030204" pitchFamily="18" charset="0"/>
-                      </a:rPr>
-                      <m:t>𝐾</m:t>
-                    </m:r>
-                    <m:sSup>
-                      <m:sSupPr>
-                        <m:ctrlPr>
-                          <a:rPr lang="en-GB" sz="1600" b="0" i="1" smtClean="0">
-                            <a:latin typeface="Cambria Math" panose="02040503050406030204" pitchFamily="18" charset="0"/>
-                          </a:rPr>
-                        </m:ctrlPr>
-                      </m:sSupPr>
-                      <m:e>
-                        <m:r>
-                          <m:rPr>
-                            <m:sty m:val="p"/>
-                          </m:rPr>
-                          <a:rPr lang="en-GB" sz="1600" b="0" i="0" smtClean="0">
-                            <a:latin typeface="Cambria Math" panose="02040503050406030204" pitchFamily="18" charset="0"/>
-                          </a:rPr>
-                          <m:t>Ω</m:t>
-                        </m:r>
-                      </m:e>
-                      <m:sup>
-                        <m:r>
-                          <a:rPr lang="en-GB" sz="1600" b="0" i="1" smtClean="0">
-                            <a:latin typeface="Cambria Math" panose="02040503050406030204" pitchFamily="18" charset="0"/>
-                          </a:rPr>
-                          <m:t>2</m:t>
-                        </m:r>
-                      </m:sup>
-                    </m:sSup>
-                  </m:oMath>
-                </a14:m>
-                <a:r>
-                  <a:rPr lang="en-GB" sz="1600" dirty="0"/>
-                  <a:t>                         ------------------ (3)</a:t>
-                </a:r>
-              </a:p>
-              <a:p>
-                <a:pPr lvl="1"/>
-                <a14:m>
-                  <m:oMath xmlns:m="http://schemas.openxmlformats.org/officeDocument/2006/math">
-                    <m:r>
-                      <a:rPr lang="en-GB" sz="1600" b="0" i="1" smtClean="0">
-                        <a:latin typeface="Cambria Math" panose="02040503050406030204" pitchFamily="18" charset="0"/>
-                      </a:rPr>
-                      <m:t>𝐾</m:t>
-                    </m:r>
-                    <m:r>
-                      <a:rPr lang="en-GB" sz="1600" b="0" i="1" smtClean="0">
-                        <a:latin typeface="Cambria Math" panose="02040503050406030204" pitchFamily="18" charset="0"/>
-                      </a:rPr>
-                      <m:t>=</m:t>
-                    </m:r>
-                    <m:f>
-                      <m:fPr>
-                        <m:ctrlPr>
-                          <a:rPr lang="en-GB" sz="1600" b="0" i="1" smtClean="0">
-                            <a:latin typeface="Cambria Math" panose="02040503050406030204" pitchFamily="18" charset="0"/>
-                          </a:rPr>
-                        </m:ctrlPr>
-                      </m:fPr>
-                      <m:num>
-                        <m:r>
-                          <a:rPr lang="en-GB" sz="1600" b="0" i="1" smtClean="0">
-                            <a:latin typeface="Cambria Math" panose="02040503050406030204" pitchFamily="18" charset="0"/>
-                          </a:rPr>
-                          <m:t>1</m:t>
-                        </m:r>
-                      </m:num>
-                      <m:den>
-                        <m:r>
-                          <a:rPr lang="en-GB" sz="1600" b="0" i="1" smtClean="0">
-                            <a:latin typeface="Cambria Math" panose="02040503050406030204" pitchFamily="18" charset="0"/>
-                          </a:rPr>
-                          <m:t>2</m:t>
-                        </m:r>
-                      </m:den>
-                    </m:f>
-                    <m:r>
-                      <a:rPr lang="en-GB" sz="1600" b="0" i="1" smtClean="0">
-                        <a:latin typeface="Cambria Math" panose="02040503050406030204" pitchFamily="18" charset="0"/>
-                      </a:rPr>
-                      <m:t>𝜌𝜋</m:t>
-                    </m:r>
-                    <m:sSup>
-                      <m:sSupPr>
-                        <m:ctrlPr>
-                          <a:rPr lang="en-GB" sz="1600" b="0" i="1" smtClean="0">
-                            <a:latin typeface="Cambria Math" panose="02040503050406030204" pitchFamily="18" charset="0"/>
-                          </a:rPr>
-                        </m:ctrlPr>
-                      </m:sSupPr>
-                      <m:e>
-                        <m:r>
-                          <a:rPr lang="en-GB" sz="1600" b="0" i="1" smtClean="0">
-                            <a:latin typeface="Cambria Math" panose="02040503050406030204" pitchFamily="18" charset="0"/>
-                          </a:rPr>
-                          <m:t>𝑅</m:t>
-                        </m:r>
-                      </m:e>
-                      <m:sup>
-                        <m:r>
-                          <a:rPr lang="en-GB" sz="1600" b="0" i="1" smtClean="0">
-                            <a:latin typeface="Cambria Math" panose="02040503050406030204" pitchFamily="18" charset="0"/>
-                          </a:rPr>
-                          <m:t>5</m:t>
-                        </m:r>
-                      </m:sup>
-                    </m:sSup>
-                    <m:sSub>
-                      <m:sSubPr>
-                        <m:ctrlPr>
-                          <a:rPr lang="en-GB" sz="1600" b="0" i="1" smtClean="0">
-                            <a:latin typeface="Cambria Math" panose="02040503050406030204" pitchFamily="18" charset="0"/>
-                          </a:rPr>
-                        </m:ctrlPr>
-                      </m:sSubPr>
-                      <m:e>
-                        <m:r>
-                          <a:rPr lang="en-GB" sz="1600" b="0" i="1" smtClean="0">
-                            <a:latin typeface="Cambria Math" panose="02040503050406030204" pitchFamily="18" charset="0"/>
-                          </a:rPr>
-                          <m:t>𝐶</m:t>
-                        </m:r>
-                      </m:e>
-                      <m:sub>
-                        <m:r>
-                          <a:rPr lang="en-GB" sz="1600" b="0" i="1" smtClean="0">
-                            <a:latin typeface="Cambria Math" panose="02040503050406030204" pitchFamily="18" charset="0"/>
-                          </a:rPr>
-                          <m:t>𝑝</m:t>
-                        </m:r>
-                        <m:r>
-                          <a:rPr lang="en-GB" sz="1600" b="0" i="1" smtClean="0">
-                            <a:latin typeface="Cambria Math" panose="02040503050406030204" pitchFamily="18" charset="0"/>
-                          </a:rPr>
-                          <m:t>,</m:t>
-                        </m:r>
-                        <m:r>
-                          <a:rPr lang="en-GB" sz="1600" b="0" i="1" smtClean="0">
-                            <a:latin typeface="Cambria Math" panose="02040503050406030204" pitchFamily="18" charset="0"/>
-                          </a:rPr>
-                          <m:t>𝑚𝑎𝑥</m:t>
-                        </m:r>
-                      </m:sub>
-                    </m:sSub>
-                    <m:r>
-                      <a:rPr lang="en-GB" sz="1600" b="0" i="1" smtClean="0">
-                        <a:latin typeface="Cambria Math" panose="02040503050406030204" pitchFamily="18" charset="0"/>
-                      </a:rPr>
-                      <m:t>/</m:t>
-                    </m:r>
-                    <m:sSubSup>
-                      <m:sSubSupPr>
-                        <m:ctrlPr>
-                          <a:rPr lang="en-GB" sz="1600" b="0" i="1" smtClean="0">
-                            <a:latin typeface="Cambria Math" panose="02040503050406030204" pitchFamily="18" charset="0"/>
-                          </a:rPr>
-                        </m:ctrlPr>
-                      </m:sSubSupPr>
-                      <m:e>
-                        <m:r>
-                          <a:rPr lang="en-GB" sz="1600" b="0" i="1" smtClean="0">
-                            <a:latin typeface="Cambria Math" panose="02040503050406030204" pitchFamily="18" charset="0"/>
-                          </a:rPr>
-                          <m:t>𝜆</m:t>
-                        </m:r>
-                      </m:e>
-                      <m:sub>
-                        <m:r>
-                          <a:rPr lang="en-GB" sz="1600" b="0" i="1" smtClean="0">
-                            <a:latin typeface="Cambria Math" panose="02040503050406030204" pitchFamily="18" charset="0"/>
-                          </a:rPr>
-                          <m:t>∗</m:t>
-                        </m:r>
-                      </m:sub>
-                      <m:sup>
-                        <m:r>
-                          <a:rPr lang="en-GB" sz="1600" b="0" i="1" smtClean="0">
-                            <a:latin typeface="Cambria Math" panose="02040503050406030204" pitchFamily="18" charset="0"/>
-                          </a:rPr>
-                          <m:t>3</m:t>
-                        </m:r>
-                      </m:sup>
-                    </m:sSubSup>
-                  </m:oMath>
-                </a14:m>
-                <a:endParaRPr lang="en-GB" sz="1600" dirty="0"/>
-              </a:p>
-              <a:p>
-                <a:pPr lvl="1"/>
-                <a:endParaRPr lang="en-GB" sz="1600" dirty="0"/>
-              </a:p>
-              <a:p>
-                <a:r>
-                  <a:rPr lang="en-GB" sz="1600" dirty="0"/>
-                  <a:t>Substituting (2) and (3) into (1), the closed-loop rotor dynamics becomes</a:t>
-                </a:r>
-              </a:p>
-              <a:p>
-                <a:pPr lvl="1"/>
-                <a14:m>
-                  <m:oMath xmlns:m="http://schemas.openxmlformats.org/officeDocument/2006/math">
-                    <m:acc>
-                      <m:accPr>
-                        <m:chr m:val="̇"/>
-                        <m:ctrlPr>
-                          <a:rPr lang="en-GB" sz="1600" i="1" smtClean="0">
-                            <a:latin typeface="Cambria Math" panose="02040503050406030204" pitchFamily="18" charset="0"/>
-                          </a:rPr>
-                        </m:ctrlPr>
-                      </m:accPr>
-                      <m:e>
-                        <m:r>
-                          <m:rPr>
-                            <m:sty m:val="p"/>
-                          </m:rPr>
-                          <a:rPr lang="en-GB" sz="1600" b="0" i="0" smtClean="0">
-                            <a:latin typeface="Cambria Math" panose="02040503050406030204" pitchFamily="18" charset="0"/>
-                          </a:rPr>
-                          <m:t>Ω</m:t>
-                        </m:r>
-                      </m:e>
-                    </m:acc>
-                    <m:r>
-                      <a:rPr lang="en-GB" sz="1600" b="0" i="1" smtClean="0">
-                        <a:latin typeface="Cambria Math" panose="02040503050406030204" pitchFamily="18" charset="0"/>
-                      </a:rPr>
-                      <m:t>=</m:t>
-                    </m:r>
-                    <m:f>
-                      <m:fPr>
-                        <m:ctrlPr>
-                          <a:rPr lang="en-GB" sz="1600" b="0" i="1" smtClean="0">
-                            <a:latin typeface="Cambria Math" panose="02040503050406030204" pitchFamily="18" charset="0"/>
-                          </a:rPr>
-                        </m:ctrlPr>
-                      </m:fPr>
-                      <m:num>
-                        <m:r>
-                          <a:rPr lang="en-GB" sz="1600" b="0" i="1" smtClean="0">
-                            <a:latin typeface="Cambria Math" panose="02040503050406030204" pitchFamily="18" charset="0"/>
-                          </a:rPr>
-                          <m:t>1</m:t>
-                        </m:r>
-                      </m:num>
-                      <m:den>
-                        <m:r>
-                          <a:rPr lang="en-GB" sz="1600" b="0" i="1" smtClean="0">
-                            <a:latin typeface="Cambria Math" panose="02040503050406030204" pitchFamily="18" charset="0"/>
-                          </a:rPr>
-                          <m:t>2</m:t>
-                        </m:r>
-                        <m:d>
-                          <m:dPr>
-                            <m:ctrlPr>
-                              <a:rPr lang="en-US" sz="1600" i="1">
-                                <a:latin typeface="Cambria Math" panose="02040503050406030204" pitchFamily="18" charset="0"/>
-                              </a:rPr>
-                            </m:ctrlPr>
-                          </m:dPr>
-                          <m:e>
-                            <m:sSub>
-                              <m:sSubPr>
-                                <m:ctrlPr>
-                                  <a:rPr lang="en-US" sz="1600" i="1">
-                                    <a:latin typeface="Cambria Math" panose="02040503050406030204" pitchFamily="18" charset="0"/>
-                                  </a:rPr>
-                                </m:ctrlPr>
-                              </m:sSubPr>
-                              <m:e>
-                                <m:r>
-                                  <a:rPr lang="en-US" sz="1600" i="1">
-                                    <a:latin typeface="Cambria Math" panose="02040503050406030204" pitchFamily="18" charset="0"/>
-                                  </a:rPr>
-                                  <m:t>𝐼</m:t>
-                                </m:r>
-                              </m:e>
-                              <m:sub>
-                                <m:r>
-                                  <a:rPr lang="en-US" sz="1600" i="1">
-                                    <a:latin typeface="Cambria Math" panose="02040503050406030204" pitchFamily="18" charset="0"/>
-                                  </a:rPr>
-                                  <m:t>𝑟</m:t>
-                                </m:r>
-                              </m:sub>
-                            </m:sSub>
-                            <m:r>
-                              <a:rPr lang="en-US" sz="1600" i="1">
-                                <a:latin typeface="Cambria Math" panose="02040503050406030204" pitchFamily="18" charset="0"/>
-                              </a:rPr>
-                              <m:t>+</m:t>
-                            </m:r>
-                            <m:sSubSup>
-                              <m:sSubSupPr>
-                                <m:ctrlPr>
-                                  <a:rPr lang="en-US" sz="1600" i="1">
-                                    <a:latin typeface="Cambria Math" panose="02040503050406030204" pitchFamily="18" charset="0"/>
-                                  </a:rPr>
-                                </m:ctrlPr>
-                              </m:sSubSupPr>
-                              <m:e>
-                                <m:r>
-                                  <a:rPr lang="en-US" sz="1600" i="1">
-                                    <a:latin typeface="Cambria Math" panose="02040503050406030204" pitchFamily="18" charset="0"/>
-                                  </a:rPr>
-                                  <m:t>𝑛</m:t>
-                                </m:r>
-                              </m:e>
-                              <m:sub>
-                                <m:r>
-                                  <a:rPr lang="en-US" sz="1600" i="1">
-                                    <a:latin typeface="Cambria Math" panose="02040503050406030204" pitchFamily="18" charset="0"/>
-                                  </a:rPr>
-                                  <m:t>𝑔</m:t>
-                                </m:r>
-                              </m:sub>
-                              <m:sup>
-                                <m:r>
-                                  <a:rPr lang="en-US" sz="1600" i="1">
-                                    <a:latin typeface="Cambria Math" panose="02040503050406030204" pitchFamily="18" charset="0"/>
-                                  </a:rPr>
-                                  <m:t>2</m:t>
-                                </m:r>
-                              </m:sup>
-                            </m:sSubSup>
-                            <m:sSub>
-                              <m:sSubPr>
-                                <m:ctrlPr>
-                                  <a:rPr lang="en-US" sz="1600" i="1">
-                                    <a:latin typeface="Cambria Math" panose="02040503050406030204" pitchFamily="18" charset="0"/>
-                                  </a:rPr>
-                                </m:ctrlPr>
-                              </m:sSubPr>
-                              <m:e>
-                                <m:r>
-                                  <a:rPr lang="en-US" sz="1600" i="1">
-                                    <a:latin typeface="Cambria Math" panose="02040503050406030204" pitchFamily="18" charset="0"/>
-                                  </a:rPr>
-                                  <m:t>𝐼</m:t>
-                                </m:r>
-                              </m:e>
-                              <m:sub>
-                                <m:r>
-                                  <a:rPr lang="en-US" sz="1600" i="1">
-                                    <a:latin typeface="Cambria Math" panose="02040503050406030204" pitchFamily="18" charset="0"/>
-                                  </a:rPr>
-                                  <m:t>𝑔</m:t>
-                                </m:r>
-                              </m:sub>
-                            </m:sSub>
-                          </m:e>
-                        </m:d>
-                      </m:den>
-                    </m:f>
-                    <m:r>
-                      <a:rPr lang="en-GB" sz="1600" b="0" i="1" smtClean="0">
-                        <a:latin typeface="Cambria Math" panose="02040503050406030204" pitchFamily="18" charset="0"/>
-                      </a:rPr>
-                      <m:t>𝜌𝜋</m:t>
-                    </m:r>
-                    <m:sSup>
-                      <m:sSupPr>
-                        <m:ctrlPr>
-                          <a:rPr lang="en-GB" sz="1600" b="0" i="1" smtClean="0">
-                            <a:latin typeface="Cambria Math" panose="02040503050406030204" pitchFamily="18" charset="0"/>
-                          </a:rPr>
-                        </m:ctrlPr>
-                      </m:sSupPr>
-                      <m:e>
-                        <m:r>
-                          <a:rPr lang="en-GB" sz="1600" b="0" i="1" smtClean="0">
-                            <a:latin typeface="Cambria Math" panose="02040503050406030204" pitchFamily="18" charset="0"/>
-                          </a:rPr>
-                          <m:t>𝑅</m:t>
-                        </m:r>
-                      </m:e>
-                      <m:sup>
-                        <m:r>
-                          <a:rPr lang="en-GB" sz="1600" b="0" i="1" smtClean="0">
-                            <a:latin typeface="Cambria Math" panose="02040503050406030204" pitchFamily="18" charset="0"/>
-                          </a:rPr>
-                          <m:t>5</m:t>
-                        </m:r>
-                      </m:sup>
-                    </m:sSup>
-                    <m:sSup>
-                      <m:sSupPr>
-                        <m:ctrlPr>
-                          <a:rPr lang="en-GB" sz="1600" b="0" i="1" smtClean="0">
-                            <a:latin typeface="Cambria Math" panose="02040503050406030204" pitchFamily="18" charset="0"/>
-                          </a:rPr>
-                        </m:ctrlPr>
-                      </m:sSupPr>
-                      <m:e>
-                        <m:r>
-                          <m:rPr>
-                            <m:sty m:val="p"/>
-                          </m:rPr>
-                          <a:rPr lang="en-GB" sz="1600" b="0" i="0" smtClean="0">
-                            <a:latin typeface="Cambria Math" panose="02040503050406030204" pitchFamily="18" charset="0"/>
-                          </a:rPr>
-                          <m:t>Ω</m:t>
-                        </m:r>
-                      </m:e>
-                      <m:sup>
-                        <m:r>
-                          <a:rPr lang="en-GB" sz="1600" b="0" i="1" smtClean="0">
-                            <a:latin typeface="Cambria Math" panose="02040503050406030204" pitchFamily="18" charset="0"/>
-                          </a:rPr>
-                          <m:t>2</m:t>
-                        </m:r>
-                      </m:sup>
-                    </m:sSup>
-                    <m:d>
-                      <m:dPr>
-                        <m:ctrlPr>
-                          <a:rPr lang="en-GB" sz="1600" b="0" i="1" smtClean="0">
-                            <a:latin typeface="Cambria Math" panose="02040503050406030204" pitchFamily="18" charset="0"/>
-                          </a:rPr>
-                        </m:ctrlPr>
-                      </m:dPr>
-                      <m:e>
-                        <m:f>
-                          <m:fPr>
-                            <m:ctrlPr>
-                              <a:rPr lang="en-GB" sz="1600" b="0" i="1" smtClean="0">
-                                <a:latin typeface="Cambria Math" panose="02040503050406030204" pitchFamily="18" charset="0"/>
-                              </a:rPr>
-                            </m:ctrlPr>
-                          </m:fPr>
-                          <m:num>
-                            <m:sSub>
-                              <m:sSubPr>
-                                <m:ctrlPr>
-                                  <a:rPr lang="en-GB" sz="1600" b="0" i="1" smtClean="0">
-                                    <a:latin typeface="Cambria Math" panose="02040503050406030204" pitchFamily="18" charset="0"/>
-                                  </a:rPr>
-                                </m:ctrlPr>
-                              </m:sSubPr>
-                              <m:e>
-                                <m:r>
-                                  <a:rPr lang="en-GB" sz="1600" b="0" i="1" smtClean="0">
-                                    <a:latin typeface="Cambria Math" panose="02040503050406030204" pitchFamily="18" charset="0"/>
-                                  </a:rPr>
-                                  <m:t>𝐶</m:t>
-                                </m:r>
-                              </m:e>
-                              <m:sub>
-                                <m:r>
-                                  <a:rPr lang="en-GB" sz="1600" b="0" i="1" smtClean="0">
-                                    <a:latin typeface="Cambria Math" panose="02040503050406030204" pitchFamily="18" charset="0"/>
-                                  </a:rPr>
-                                  <m:t>𝑃</m:t>
-                                </m:r>
-                              </m:sub>
-                            </m:sSub>
-                            <m:d>
-                              <m:dPr>
-                                <m:ctrlPr>
-                                  <a:rPr lang="en-GB" sz="1600" b="0" i="1" smtClean="0">
-                                    <a:latin typeface="Cambria Math" panose="02040503050406030204" pitchFamily="18" charset="0"/>
-                                  </a:rPr>
-                                </m:ctrlPr>
-                              </m:dPr>
-                              <m:e>
-                                <m:r>
-                                  <a:rPr lang="en-GB" sz="1600" b="0" i="1" smtClean="0">
-                                    <a:latin typeface="Cambria Math" panose="02040503050406030204" pitchFamily="18" charset="0"/>
-                                  </a:rPr>
-                                  <m:t>𝜆</m:t>
-                                </m:r>
-                                <m:r>
-                                  <a:rPr lang="en-GB" sz="1600" b="0" i="1" smtClean="0">
-                                    <a:latin typeface="Cambria Math" panose="02040503050406030204" pitchFamily="18" charset="0"/>
-                                  </a:rPr>
-                                  <m:t>,</m:t>
-                                </m:r>
-                                <m:r>
-                                  <a:rPr lang="en-GB" sz="1600" b="0" i="1" smtClean="0">
-                                    <a:latin typeface="Cambria Math" panose="02040503050406030204" pitchFamily="18" charset="0"/>
-                                  </a:rPr>
-                                  <m:t>𝜃</m:t>
-                                </m:r>
-                              </m:e>
-                            </m:d>
-                          </m:num>
-                          <m:den>
-                            <m:sSup>
-                              <m:sSupPr>
-                                <m:ctrlPr>
-                                  <a:rPr lang="en-GB" sz="1600" b="0" i="1" smtClean="0">
-                                    <a:latin typeface="Cambria Math" panose="02040503050406030204" pitchFamily="18" charset="0"/>
-                                  </a:rPr>
-                                </m:ctrlPr>
-                              </m:sSupPr>
-                              <m:e>
-                                <m:r>
-                                  <a:rPr lang="en-GB" sz="1600" b="0" i="1" smtClean="0">
-                                    <a:latin typeface="Cambria Math" panose="02040503050406030204" pitchFamily="18" charset="0"/>
-                                  </a:rPr>
-                                  <m:t>𝜆</m:t>
-                                </m:r>
-                              </m:e>
-                              <m:sup>
-                                <m:r>
-                                  <a:rPr lang="en-GB" sz="1600" b="0" i="1" smtClean="0">
-                                    <a:latin typeface="Cambria Math" panose="02040503050406030204" pitchFamily="18" charset="0"/>
-                                  </a:rPr>
-                                  <m:t>3</m:t>
-                                </m:r>
-                              </m:sup>
-                            </m:sSup>
-                          </m:den>
-                        </m:f>
-                        <m:r>
-                          <a:rPr lang="en-GB" sz="1600" b="0" i="1" smtClean="0">
-                            <a:latin typeface="Cambria Math" panose="02040503050406030204" pitchFamily="18" charset="0"/>
-                          </a:rPr>
-                          <m:t>−</m:t>
-                        </m:r>
-                        <m:f>
-                          <m:fPr>
-                            <m:ctrlPr>
-                              <a:rPr lang="en-US" sz="1600" b="0" i="1" smtClean="0">
-                                <a:latin typeface="Cambria Math" panose="02040503050406030204" pitchFamily="18" charset="0"/>
-                              </a:rPr>
-                            </m:ctrlPr>
-                          </m:fPr>
-                          <m:num>
-                            <m:r>
-                              <a:rPr lang="en-US" sz="1600" b="0" i="1" smtClean="0">
-                                <a:latin typeface="Cambria Math" panose="02040503050406030204" pitchFamily="18" charset="0"/>
-                              </a:rPr>
-                              <m:t>1</m:t>
-                            </m:r>
-                          </m:num>
-                          <m:den>
-                            <m:r>
-                              <a:rPr lang="en-US" sz="1600" b="0" i="1" smtClean="0">
-                                <a:latin typeface="Cambria Math" panose="02040503050406030204" pitchFamily="18" charset="0"/>
-                              </a:rPr>
-                              <m:t>𝜂</m:t>
-                            </m:r>
-                          </m:den>
-                        </m:f>
-                        <m:f>
-                          <m:fPr>
-                            <m:ctrlPr>
-                              <a:rPr lang="en-GB" sz="1600" b="0" i="1" smtClean="0">
-                                <a:latin typeface="Cambria Math" panose="02040503050406030204" pitchFamily="18" charset="0"/>
-                              </a:rPr>
-                            </m:ctrlPr>
-                          </m:fPr>
-                          <m:num>
-                            <m:sSub>
-                              <m:sSubPr>
-                                <m:ctrlPr>
-                                  <a:rPr lang="en-GB" sz="1600" b="0" i="1" smtClean="0">
-                                    <a:latin typeface="Cambria Math" panose="02040503050406030204" pitchFamily="18" charset="0"/>
-                                  </a:rPr>
-                                </m:ctrlPr>
-                              </m:sSubPr>
-                              <m:e>
-                                <m:r>
-                                  <a:rPr lang="en-GB" sz="1600" b="0" i="1" smtClean="0">
-                                    <a:latin typeface="Cambria Math" panose="02040503050406030204" pitchFamily="18" charset="0"/>
-                                  </a:rPr>
-                                  <m:t>𝐶</m:t>
-                                </m:r>
-                              </m:e>
-                              <m:sub>
-                                <m:r>
-                                  <a:rPr lang="en-GB" sz="1600" b="0" i="1" smtClean="0">
-                                    <a:latin typeface="Cambria Math" panose="02040503050406030204" pitchFamily="18" charset="0"/>
-                                  </a:rPr>
-                                  <m:t>𝑝</m:t>
-                                </m:r>
-                                <m:r>
-                                  <a:rPr lang="en-GB" sz="1600" b="0" i="1" smtClean="0">
-                                    <a:latin typeface="Cambria Math" panose="02040503050406030204" pitchFamily="18" charset="0"/>
-                                  </a:rPr>
-                                  <m:t>,</m:t>
-                                </m:r>
-                                <m:r>
-                                  <a:rPr lang="en-GB" sz="1600" b="0" i="1" smtClean="0">
-                                    <a:latin typeface="Cambria Math" panose="02040503050406030204" pitchFamily="18" charset="0"/>
-                                  </a:rPr>
-                                  <m:t>𝑚𝑎𝑥</m:t>
-                                </m:r>
-                              </m:sub>
-                            </m:sSub>
-                          </m:num>
-                          <m:den>
-                            <m:sSubSup>
-                              <m:sSubSupPr>
-                                <m:ctrlPr>
-                                  <a:rPr lang="en-GB" sz="1600" b="0" i="1" smtClean="0">
-                                    <a:latin typeface="Cambria Math" panose="02040503050406030204" pitchFamily="18" charset="0"/>
-                                  </a:rPr>
-                                </m:ctrlPr>
-                              </m:sSubSupPr>
-                              <m:e>
-                                <m:r>
-                                  <a:rPr lang="en-GB" sz="1600" b="0" i="1" smtClean="0">
-                                    <a:latin typeface="Cambria Math" panose="02040503050406030204" pitchFamily="18" charset="0"/>
-                                  </a:rPr>
-                                  <m:t>𝜆</m:t>
-                                </m:r>
-                              </m:e>
-                              <m:sub>
-                                <m:r>
-                                  <a:rPr lang="en-GB" sz="1600" b="0" i="1" smtClean="0">
-                                    <a:latin typeface="Cambria Math" panose="02040503050406030204" pitchFamily="18" charset="0"/>
-                                  </a:rPr>
-                                  <m:t>∗</m:t>
-                                </m:r>
-                              </m:sub>
-                              <m:sup>
-                                <m:r>
-                                  <a:rPr lang="en-GB" sz="1600" b="0" i="1" smtClean="0">
-                                    <a:latin typeface="Cambria Math" panose="02040503050406030204" pitchFamily="18" charset="0"/>
-                                  </a:rPr>
-                                  <m:t>3</m:t>
-                                </m:r>
-                              </m:sup>
-                            </m:sSubSup>
-                          </m:den>
-                        </m:f>
-                      </m:e>
-                    </m:d>
-                  </m:oMath>
-                </a14:m>
-                <a:endParaRPr lang="en-GB" sz="1600" b="0" dirty="0"/>
-              </a:p>
-            </p:txBody>
-          </p:sp>
-        </mc:Choice>
-        <mc:Fallback xmlns="">
-          <p:sp>
-            <p:nvSpPr>
-              <p:cNvPr id="3" name="Content Placeholder 2">
-                <a:extLst>
-                  <a:ext uri="{FF2B5EF4-FFF2-40B4-BE49-F238E27FC236}">
-                    <a16:creationId xmlns:a16="http://schemas.microsoft.com/office/drawing/2014/main" id="{1F3DD503-9D4E-4003-9335-73B49C10C23A}"/>
-                  </a:ext>
-                </a:extLst>
-              </p:cNvPr>
-              <p:cNvSpPr>
-                <a:spLocks noGrp="1" noRot="1" noChangeAspect="1" noMove="1" noResize="1" noEditPoints="1" noAdjustHandles="1" noChangeArrowheads="1" noChangeShapeType="1" noTextEdit="1"/>
-              </p:cNvSpPr>
-              <p:nvPr>
-                <p:ph idx="1"/>
-              </p:nvPr>
-            </p:nvSpPr>
-            <p:spPr>
-              <a:xfrm>
-                <a:off x="1342678" y="1416561"/>
-                <a:ext cx="6172200" cy="4545578"/>
-              </a:xfrm>
-              <a:blipFill>
-                <a:blip r:embed="rId2"/>
-                <a:stretch>
-                  <a:fillRect l="-1876" t="-1340" b="-12735"/>
-                </a:stretch>
-              </a:blipFill>
-            </p:spPr>
-            <p:txBody>
-              <a:bodyPr/>
-              <a:lstStyle/>
-              <a:p>
-                <a:r>
-                  <a:rPr lang="en-GB">
-                    <a:noFill/>
-                  </a:rPr>
-                  <a:t> </a:t>
-                </a:r>
-              </a:p>
-            </p:txBody>
-          </p:sp>
-        </mc:Fallback>
-      </mc:AlternateContent>
-      <p:sp>
-        <p:nvSpPr>
-          <p:cNvPr id="4" name="Slide Number Placeholder 3">
-            <a:extLst>
-              <a:ext uri="{FF2B5EF4-FFF2-40B4-BE49-F238E27FC236}">
-                <a16:creationId xmlns:a16="http://schemas.microsoft.com/office/drawing/2014/main" id="{AD221B06-1B57-425B-AEB9-883ADE376988}"/>
-              </a:ext>
-            </a:extLst>
-          </p:cNvPr>
-          <p:cNvSpPr>
-            <a:spLocks noGrp="1"/>
-          </p:cNvSpPr>
-          <p:nvPr>
-            <p:ph type="sldNum" sz="quarter" idx="11"/>
-          </p:nvPr>
-        </p:nvSpPr>
-        <p:spPr/>
-        <p:txBody>
-          <a:bodyPr/>
-          <a:lstStyle/>
-          <a:p>
-            <a:fld id="{103EA872-A674-449B-A120-B97244F8E91D}" type="slidenum">
-              <a:rPr lang="en-GB" smtClean="0"/>
-              <a:pPr/>
-              <a:t>13</a:t>
-            </a:fld>
-            <a:endParaRPr lang="en-GB" dirty="0"/>
-          </a:p>
-        </p:txBody>
-      </p:sp>
-      <mc:AlternateContent xmlns:mc="http://schemas.openxmlformats.org/markup-compatibility/2006" xmlns:a14="http://schemas.microsoft.com/office/drawing/2010/main">
-        <mc:Choice Requires="a14">
-          <p:sp>
-            <p:nvSpPr>
-              <p:cNvPr id="12" name="TextBox 11">
-                <a:extLst>
-                  <a:ext uri="{FF2B5EF4-FFF2-40B4-BE49-F238E27FC236}">
-                    <a16:creationId xmlns:a16="http://schemas.microsoft.com/office/drawing/2014/main" id="{F51F85A4-7AE3-45A0-BB3A-CB7AFDF2B247}"/>
-                  </a:ext>
-                </a:extLst>
-              </p:cNvPr>
-              <p:cNvSpPr txBox="1"/>
-              <p:nvPr/>
-            </p:nvSpPr>
-            <p:spPr>
-              <a:xfrm>
-                <a:off x="5303118" y="3069119"/>
-                <a:ext cx="931089" cy="246221"/>
-              </a:xfrm>
-              <a:prstGeom prst="rect">
-                <a:avLst/>
-              </a:prstGeom>
-            </p:spPr>
-            <p:style>
-              <a:lnRef idx="2">
-                <a:schemeClr val="accent1"/>
-              </a:lnRef>
-              <a:fillRef idx="1">
-                <a:schemeClr val="lt1"/>
-              </a:fillRef>
-              <a:effectRef idx="0">
-                <a:schemeClr val="accent1"/>
-              </a:effectRef>
-              <a:fontRef idx="minor">
-                <a:schemeClr val="dk1"/>
-              </a:fontRef>
-            </p:style>
-            <p:txBody>
-              <a:bodyPr wrap="none" lIns="0" tIns="0" rIns="0" bIns="0" rtlCol="0">
-                <a:spAutoFit/>
-              </a:bodyPr>
-              <a:lstStyle/>
-              <a:p>
-                <a:pPr algn="l">
-                  <a:spcBef>
-                    <a:spcPts val="432"/>
-                  </a:spcBef>
-                </a:pPr>
-                <a14:m>
-                  <m:oMathPara xmlns:m="http://schemas.openxmlformats.org/officeDocument/2006/math">
-                    <m:oMathParaPr>
-                      <m:jc m:val="centerGroup"/>
-                    </m:oMathParaPr>
-                    <m:oMath xmlns:m="http://schemas.openxmlformats.org/officeDocument/2006/math">
-                      <m:r>
-                        <a:rPr lang="en-GB" b="0" i="1" smtClean="0">
-                          <a:latin typeface="Cambria Math" panose="02040503050406030204" pitchFamily="18" charset="0"/>
-                        </a:rPr>
-                        <m:t>𝜆</m:t>
-                      </m:r>
-                      <m:r>
-                        <a:rPr lang="en-GB" b="0" i="1" smtClean="0">
-                          <a:latin typeface="Cambria Math" panose="02040503050406030204" pitchFamily="18" charset="0"/>
-                        </a:rPr>
-                        <m:t>=</m:t>
-                      </m:r>
-                      <m:r>
-                        <m:rPr>
-                          <m:sty m:val="p"/>
-                        </m:rPr>
-                        <a:rPr lang="en-GB" b="0" i="0" smtClean="0">
-                          <a:latin typeface="Cambria Math" panose="02040503050406030204" pitchFamily="18" charset="0"/>
-                        </a:rPr>
-                        <m:t>Ω</m:t>
-                      </m:r>
-                      <m:r>
-                        <a:rPr lang="en-GB" b="0" i="1" smtClean="0">
-                          <a:latin typeface="Cambria Math" panose="02040503050406030204" pitchFamily="18" charset="0"/>
-                        </a:rPr>
-                        <m:t>𝑅</m:t>
-                      </m:r>
-                      <m:r>
-                        <a:rPr lang="en-GB" b="0" i="1" smtClean="0">
-                          <a:latin typeface="Cambria Math" panose="02040503050406030204" pitchFamily="18" charset="0"/>
-                        </a:rPr>
-                        <m:t>/</m:t>
-                      </m:r>
-                      <m:r>
-                        <a:rPr lang="en-GB" b="0" i="1" smtClean="0">
-                          <a:latin typeface="Cambria Math" panose="02040503050406030204" pitchFamily="18" charset="0"/>
-                        </a:rPr>
-                        <m:t>𝑣</m:t>
-                      </m:r>
-                    </m:oMath>
-                  </m:oMathPara>
-                </a14:m>
-                <a:endParaRPr lang="en-GB" dirty="0" err="1"/>
-              </a:p>
-            </p:txBody>
-          </p:sp>
-        </mc:Choice>
-        <mc:Fallback xmlns="">
-          <p:sp>
-            <p:nvSpPr>
-              <p:cNvPr id="12" name="TextBox 11">
-                <a:extLst>
-                  <a:ext uri="{FF2B5EF4-FFF2-40B4-BE49-F238E27FC236}">
-                    <a16:creationId xmlns:a16="http://schemas.microsoft.com/office/drawing/2014/main" id="{F51F85A4-7AE3-45A0-BB3A-CB7AFDF2B247}"/>
-                  </a:ext>
-                </a:extLst>
-              </p:cNvPr>
-              <p:cNvSpPr txBox="1">
-                <a:spLocks noRot="1" noChangeAspect="1" noMove="1" noResize="1" noEditPoints="1" noAdjustHandles="1" noChangeArrowheads="1" noChangeShapeType="1" noTextEdit="1"/>
-              </p:cNvSpPr>
-              <p:nvPr/>
-            </p:nvSpPr>
-            <p:spPr>
-              <a:xfrm>
-                <a:off x="5303118" y="3069119"/>
-                <a:ext cx="931089" cy="246221"/>
-              </a:xfrm>
-              <a:prstGeom prst="rect">
-                <a:avLst/>
-              </a:prstGeom>
-              <a:blipFill>
-                <a:blip r:embed="rId3"/>
-                <a:stretch>
-                  <a:fillRect l="-3185" b="-26667"/>
-                </a:stretch>
-              </a:blipFill>
-            </p:spPr>
-            <p:txBody>
-              <a:bodyPr/>
-              <a:lstStyle/>
-              <a:p>
-                <a:r>
-                  <a:rPr lang="en-GB">
-                    <a:noFill/>
-                  </a:rPr>
-                  <a:t> </a:t>
-                </a:r>
-              </a:p>
-            </p:txBody>
-          </p:sp>
-        </mc:Fallback>
-      </mc:AlternateContent>
-      <p:sp>
-        <p:nvSpPr>
-          <p:cNvPr id="5" name="TextBox 4">
-            <a:extLst>
-              <a:ext uri="{FF2B5EF4-FFF2-40B4-BE49-F238E27FC236}">
-                <a16:creationId xmlns:a16="http://schemas.microsoft.com/office/drawing/2014/main" id="{BE230212-335A-4B58-A63A-D19A41F759AE}"/>
-              </a:ext>
-            </a:extLst>
-          </p:cNvPr>
-          <p:cNvSpPr txBox="1"/>
-          <p:nvPr/>
-        </p:nvSpPr>
-        <p:spPr>
-          <a:xfrm>
-            <a:off x="8399462" y="1481290"/>
-            <a:ext cx="2190087" cy="246221"/>
-          </a:xfrm>
-          <a:prstGeom prst="rect">
-            <a:avLst/>
-          </a:prstGeom>
-          <a:noFill/>
-        </p:spPr>
-        <p:txBody>
-          <a:bodyPr wrap="none" lIns="0" tIns="0" rIns="0" bIns="0" rtlCol="0">
-            <a:spAutoFit/>
-          </a:bodyPr>
-          <a:lstStyle/>
-          <a:p>
-            <a:pPr algn="l">
-              <a:spcBef>
-                <a:spcPts val="432"/>
-              </a:spcBef>
-            </a:pPr>
-            <a:r>
-              <a:rPr lang="en-GB" b="1" spc="50" dirty="0">
-                <a:ln w="9525" cmpd="sng">
-                  <a:solidFill>
-                    <a:schemeClr val="accent1"/>
-                  </a:solidFill>
-                  <a:prstDash val="solid"/>
-                </a:ln>
-                <a:solidFill>
-                  <a:srgbClr val="70AD47">
-                    <a:tint val="1000"/>
-                  </a:srgbClr>
-                </a:solidFill>
-                <a:effectLst>
-                  <a:glow rad="38100">
-                    <a:schemeClr val="accent1">
-                      <a:alpha val="40000"/>
-                    </a:schemeClr>
-                  </a:glow>
-                </a:effectLst>
-                <a:latin typeface="+mn-lt"/>
-              </a:rPr>
-              <a:t>Newton’s second law</a:t>
-            </a:r>
-          </a:p>
-        </p:txBody>
-      </p:sp>
-      <p:cxnSp>
-        <p:nvCxnSpPr>
-          <p:cNvPr id="15" name="Straight Arrow Connector 14">
-            <a:extLst>
-              <a:ext uri="{FF2B5EF4-FFF2-40B4-BE49-F238E27FC236}">
-                <a16:creationId xmlns:a16="http://schemas.microsoft.com/office/drawing/2014/main" id="{A64353CD-21BA-4E59-958D-5D810AC192C6}"/>
-              </a:ext>
-            </a:extLst>
-          </p:cNvPr>
-          <p:cNvCxnSpPr/>
-          <p:nvPr/>
-        </p:nvCxnSpPr>
-        <p:spPr bwMode="auto">
-          <a:xfrm flipH="1">
-            <a:off x="6095206" y="1604401"/>
-            <a:ext cx="2160240" cy="240423"/>
-          </a:xfrm>
-          <a:prstGeom prst="straightConnector1">
-            <a:avLst/>
-          </a:prstGeom>
-          <a:solidFill>
-            <a:schemeClr val="accent1"/>
-          </a:solidFill>
-          <a:ln w="9525" cap="flat" cmpd="sng" algn="ctr">
-            <a:solidFill>
-              <a:schemeClr val="tx1"/>
-            </a:solidFill>
-            <a:prstDash val="solid"/>
-            <a:miter lim="800000"/>
-            <a:headEnd type="none" w="med" len="med"/>
-            <a:tailEnd type="triangle"/>
-          </a:ln>
-          <a:effectLst/>
-          <a:extLst>
-            <a:ext uri="{AF507438-7753-43E0-B8FC-AC1667EBCBE1}">
-              <a14:hiddenEffects xmlns:a14="http://schemas.microsoft.com/office/drawing/2010/main">
-                <a:effectLst>
-                  <a:outerShdw dist="35921" dir="2700000" algn="ctr" rotWithShape="0">
-                    <a:schemeClr val="bg2"/>
-                  </a:outerShdw>
-                </a:effectLst>
-              </a14:hiddenEffects>
-            </a:ext>
-          </a:extLst>
-        </p:spPr>
-      </p:cxnSp>
-      <mc:AlternateContent xmlns:mc="http://schemas.openxmlformats.org/markup-compatibility/2006" xmlns:a14="http://schemas.microsoft.com/office/drawing/2010/main">
-        <mc:Choice Requires="a14">
-          <p:sp>
-            <p:nvSpPr>
-              <p:cNvPr id="16" name="Tekstboks 6">
-                <a:extLst>
-                  <a:ext uri="{FF2B5EF4-FFF2-40B4-BE49-F238E27FC236}">
-                    <a16:creationId xmlns:a16="http://schemas.microsoft.com/office/drawing/2014/main" id="{3B7B38F4-859D-40AB-83B9-BEA3B168B4D1}"/>
-                  </a:ext>
-                </a:extLst>
-              </p:cNvPr>
-              <p:cNvSpPr txBox="1"/>
-              <p:nvPr/>
-            </p:nvSpPr>
-            <p:spPr>
-              <a:xfrm>
-                <a:off x="7175326" y="2462294"/>
-                <a:ext cx="3168352" cy="2016224"/>
-              </a:xfrm>
-              <a:prstGeom prst="rect">
-                <a:avLst/>
-              </a:prstGeom>
-            </p:spPr>
-            <p:style>
-              <a:lnRef idx="2">
-                <a:schemeClr val="dk1"/>
-              </a:lnRef>
-              <a:fillRef idx="1">
-                <a:schemeClr val="lt1"/>
-              </a:fillRef>
-              <a:effectRef idx="0">
-                <a:schemeClr val="dk1"/>
-              </a:effectRef>
-              <a:fontRef idx="minor">
-                <a:schemeClr val="dk1"/>
-              </a:fontRef>
-            </p:style>
-            <p:txBody>
-              <a:bodyPr wrap="none" rtlCol="0">
-                <a:noAutofit/>
-              </a:bodyPr>
-              <a:lstStyle/>
-              <a:p>
-                <a:pPr>
-                  <a:spcBef>
-                    <a:spcPts val="600"/>
-                  </a:spcBef>
-                  <a:tabLst>
-                    <a:tab pos="1257300" algn="l"/>
-                  </a:tabLst>
-                </a:pPr>
-                <a14:m>
-                  <m:oMath xmlns:m="http://schemas.openxmlformats.org/officeDocument/2006/math">
-                    <m:sSub>
-                      <m:sSubPr>
-                        <m:ctrlPr>
-                          <a:rPr lang="en-US" sz="2000" b="1" i="1" smtClean="0">
-                            <a:latin typeface="Cambria Math" panose="02040503050406030204" pitchFamily="18" charset="0"/>
-                          </a:rPr>
-                        </m:ctrlPr>
-                      </m:sSubPr>
-                      <m:e>
-                        <m:r>
-                          <a:rPr lang="en-US" sz="2000" b="1" i="1" smtClean="0">
-                            <a:latin typeface="Cambria Math"/>
-                          </a:rPr>
-                          <m:t>𝑰</m:t>
-                        </m:r>
-                      </m:e>
-                      <m:sub>
-                        <m:r>
-                          <a:rPr lang="en-US" sz="2000" b="1" i="1" smtClean="0">
-                            <a:latin typeface="Cambria Math"/>
-                          </a:rPr>
-                          <m:t>𝒓</m:t>
-                        </m:r>
-                      </m:sub>
-                    </m:sSub>
-                  </m:oMath>
-                </a14:m>
-                <a:r>
-                  <a:rPr lang="en-US" b="0" dirty="0"/>
-                  <a:t>	</a:t>
-                </a:r>
-                <a:r>
-                  <a:rPr lang="en-US" b="0" dirty="0">
-                    <a:latin typeface="Arial Rounded MT Bold" panose="020F0704030504030204" pitchFamily="34" charset="0"/>
-                  </a:rPr>
-                  <a:t>Rotor inertia</a:t>
-                </a:r>
-              </a:p>
-              <a:p>
-                <a:pPr>
-                  <a:spcBef>
-                    <a:spcPts val="600"/>
-                  </a:spcBef>
-                  <a:tabLst>
-                    <a:tab pos="1257300" algn="l"/>
-                  </a:tabLst>
-                </a:pPr>
-                <a14:m>
-                  <m:oMath xmlns:m="http://schemas.openxmlformats.org/officeDocument/2006/math">
-                    <m:r>
-                      <a:rPr lang="en-US" sz="2000" b="1" i="0" smtClean="0">
-                        <a:latin typeface="Cambria Math"/>
-                      </a:rPr>
-                      <m:t>𝛀</m:t>
-                    </m:r>
-                  </m:oMath>
-                </a14:m>
-                <a:r>
-                  <a:rPr lang="en-US" dirty="0"/>
-                  <a:t>	</a:t>
-                </a:r>
-                <a:r>
-                  <a:rPr lang="en-US" dirty="0">
-                    <a:latin typeface="Arial Rounded MT Bold" panose="020F0704030504030204" pitchFamily="34" charset="0"/>
-                  </a:rPr>
-                  <a:t>Rotor speed</a:t>
-                </a:r>
-              </a:p>
-              <a:p>
-                <a:pPr>
-                  <a:spcBef>
-                    <a:spcPts val="600"/>
-                  </a:spcBef>
-                  <a:tabLst>
-                    <a:tab pos="1257300" algn="l"/>
-                  </a:tabLst>
-                </a:pPr>
-                <a14:m>
-                  <m:oMath xmlns:m="http://schemas.openxmlformats.org/officeDocument/2006/math">
-                    <m:r>
-                      <a:rPr lang="en-US" sz="2000" b="1" i="1" smtClean="0">
-                        <a:latin typeface="Cambria Math"/>
-                      </a:rPr>
-                      <m:t>𝑸</m:t>
-                    </m:r>
-                    <m:d>
-                      <m:dPr>
-                        <m:ctrlPr>
-                          <a:rPr lang="en-US" sz="2000" b="1" i="1" smtClean="0">
-                            <a:latin typeface="Cambria Math" panose="02040503050406030204" pitchFamily="18" charset="0"/>
-                          </a:rPr>
-                        </m:ctrlPr>
-                      </m:dPr>
-                      <m:e>
-                        <m:r>
-                          <a:rPr lang="en-US" sz="2000" b="1" i="1" smtClean="0">
-                            <a:latin typeface="Cambria Math"/>
-                          </a:rPr>
-                          <m:t>𝑽</m:t>
-                        </m:r>
-                        <m:r>
-                          <a:rPr lang="en-US" sz="2000" b="1" i="1" smtClean="0">
-                            <a:latin typeface="Cambria Math"/>
-                          </a:rPr>
-                          <m:t>,</m:t>
-                        </m:r>
-                        <m:r>
-                          <a:rPr lang="en-US" sz="2000" b="1" i="1" smtClean="0">
-                            <a:latin typeface="Cambria Math"/>
-                          </a:rPr>
-                          <m:t>𝜽</m:t>
-                        </m:r>
-                        <m:r>
-                          <a:rPr lang="da-DK" sz="2000" b="1" i="1" smtClean="0">
-                            <a:latin typeface="Cambria Math"/>
-                          </a:rPr>
-                          <m:t>,</m:t>
-                        </m:r>
-                        <m:r>
-                          <a:rPr lang="en-US" sz="2000" b="1" i="0" smtClean="0">
-                            <a:latin typeface="Cambria Math"/>
-                          </a:rPr>
-                          <m:t>𝛀</m:t>
-                        </m:r>
-                      </m:e>
-                    </m:d>
-                  </m:oMath>
-                </a14:m>
-                <a:r>
-                  <a:rPr lang="en-US" sz="2000" dirty="0"/>
-                  <a:t> </a:t>
-                </a:r>
-                <a:r>
-                  <a:rPr lang="en-US" dirty="0"/>
-                  <a:t>	</a:t>
-                </a:r>
-                <a:r>
-                  <a:rPr lang="en-US" dirty="0">
-                    <a:latin typeface="Arial Rounded MT Bold" panose="020F0704030504030204" pitchFamily="34" charset="0"/>
-                  </a:rPr>
-                  <a:t>Rotor torque</a:t>
-                </a:r>
-              </a:p>
-              <a:p>
-                <a:pPr>
-                  <a:spcBef>
-                    <a:spcPts val="600"/>
-                  </a:spcBef>
-                  <a:tabLst>
-                    <a:tab pos="1257300" algn="l"/>
-                  </a:tabLst>
-                </a:pPr>
-                <a14:m>
-                  <m:oMath xmlns:m="http://schemas.openxmlformats.org/officeDocument/2006/math">
-                    <m:sSub>
-                      <m:sSubPr>
-                        <m:ctrlPr>
-                          <a:rPr lang="en-US" sz="2000" b="1" i="1" smtClean="0">
-                            <a:latin typeface="Cambria Math" panose="02040503050406030204" pitchFamily="18" charset="0"/>
-                          </a:rPr>
-                        </m:ctrlPr>
-                      </m:sSubPr>
-                      <m:e>
-                        <m:r>
-                          <a:rPr lang="en-US" sz="2000" b="1" i="1" smtClean="0">
-                            <a:latin typeface="Cambria Math"/>
-                          </a:rPr>
-                          <m:t>𝒏</m:t>
-                        </m:r>
-                      </m:e>
-                      <m:sub>
-                        <m:r>
-                          <a:rPr lang="en-US" sz="2000" b="1" i="1" smtClean="0">
-                            <a:latin typeface="Cambria Math"/>
-                          </a:rPr>
-                          <m:t>𝒈</m:t>
-                        </m:r>
-                      </m:sub>
-                    </m:sSub>
-                  </m:oMath>
-                </a14:m>
-                <a:r>
-                  <a:rPr lang="en-US" dirty="0"/>
-                  <a:t> 	</a:t>
-                </a:r>
-                <a:r>
-                  <a:rPr lang="en-US" dirty="0">
-                    <a:latin typeface="Arial Rounded MT Bold" panose="020F0704030504030204" pitchFamily="34" charset="0"/>
-                  </a:rPr>
-                  <a:t>Gearbox ratio</a:t>
-                </a:r>
-              </a:p>
-              <a:p>
-                <a:pPr>
-                  <a:spcBef>
-                    <a:spcPts val="600"/>
-                  </a:spcBef>
-                  <a:tabLst>
-                    <a:tab pos="1257300" algn="l"/>
-                  </a:tabLst>
-                </a:pPr>
-                <a14:m>
-                  <m:oMath xmlns:m="http://schemas.openxmlformats.org/officeDocument/2006/math">
-                    <m:sSub>
-                      <m:sSubPr>
-                        <m:ctrlPr>
-                          <a:rPr lang="en-US" sz="2000" b="1" i="1" smtClean="0">
-                            <a:latin typeface="Cambria Math" panose="02040503050406030204" pitchFamily="18" charset="0"/>
-                          </a:rPr>
-                        </m:ctrlPr>
-                      </m:sSubPr>
-                      <m:e>
-                        <m:r>
-                          <a:rPr lang="en-US" sz="2000" b="1" i="1" smtClean="0">
-                            <a:latin typeface="Cambria Math"/>
-                          </a:rPr>
-                          <m:t>𝑸</m:t>
-                        </m:r>
-                      </m:e>
-                      <m:sub>
-                        <m:r>
-                          <a:rPr lang="en-US" sz="2000" b="1" i="1" smtClean="0">
-                            <a:latin typeface="Cambria Math"/>
-                          </a:rPr>
-                          <m:t>𝒈</m:t>
-                        </m:r>
-                      </m:sub>
-                    </m:sSub>
-                  </m:oMath>
-                </a14:m>
-                <a:r>
-                  <a:rPr lang="en-US" dirty="0"/>
-                  <a:t> 	</a:t>
-                </a:r>
-                <a:r>
-                  <a:rPr lang="en-US" dirty="0">
-                    <a:latin typeface="Arial Rounded MT Bold" panose="020F0704030504030204" pitchFamily="34" charset="0"/>
-                  </a:rPr>
-                  <a:t>Generator torque</a:t>
-                </a:r>
-              </a:p>
-              <a:p>
-                <a:pPr>
-                  <a:spcBef>
-                    <a:spcPts val="600"/>
-                  </a:spcBef>
-                  <a:tabLst>
-                    <a:tab pos="1076325" algn="l"/>
-                  </a:tabLst>
-                </a:pPr>
-                <a:endParaRPr lang="en-US" dirty="0"/>
-              </a:p>
-            </p:txBody>
-          </p:sp>
-        </mc:Choice>
-        <mc:Fallback xmlns="">
-          <p:sp>
-            <p:nvSpPr>
-              <p:cNvPr id="16" name="Tekstboks 6">
-                <a:extLst>
-                  <a:ext uri="{FF2B5EF4-FFF2-40B4-BE49-F238E27FC236}">
-                    <a16:creationId xmlns:a16="http://schemas.microsoft.com/office/drawing/2014/main" id="{3B7B38F4-859D-40AB-83B9-BEA3B168B4D1}"/>
-                  </a:ext>
-                </a:extLst>
-              </p:cNvPr>
-              <p:cNvSpPr txBox="1">
-                <a:spLocks noRot="1" noChangeAspect="1" noMove="1" noResize="1" noEditPoints="1" noAdjustHandles="1" noChangeArrowheads="1" noChangeShapeType="1" noTextEdit="1"/>
-              </p:cNvSpPr>
-              <p:nvPr/>
-            </p:nvSpPr>
-            <p:spPr>
-              <a:xfrm>
-                <a:off x="7175326" y="2462294"/>
-                <a:ext cx="3168352" cy="2016224"/>
-              </a:xfrm>
-              <a:prstGeom prst="rect">
-                <a:avLst/>
-              </a:prstGeom>
-              <a:blipFill>
-                <a:blip r:embed="rId4"/>
-                <a:stretch>
-                  <a:fillRect l="-191"/>
-                </a:stretch>
-              </a:blipFill>
-            </p:spPr>
-            <p:txBody>
-              <a:bodyPr/>
-              <a:lstStyle/>
-              <a:p>
-                <a:r>
-                  <a:rPr lang="en-GB">
-                    <a:noFill/>
-                  </a:rPr>
-                  <a:t> </a:t>
-                </a:r>
-              </a:p>
-            </p:txBody>
-          </p:sp>
-        </mc:Fallback>
-      </mc:AlternateContent>
-    </p:spTree>
-    <p:extLst>
-      <p:ext uri="{BB962C8B-B14F-4D97-AF65-F5344CB8AC3E}">
-        <p14:creationId xmlns:p14="http://schemas.microsoft.com/office/powerpoint/2010/main" val="705623479"/>
-      </p:ext>
-    </p:extLst>
-  </p:cSld>
-  <p:clrMapOvr>
-    <a:masterClrMapping/>
-  </p:clrMapOvr>
-  <p:timing>
-    <p:tnLst>
-      <p:par>
-        <p:cTn id="1" dur="indefinite" restart="never" nodeType="tmRoot">
-          <p:childTnLst>
-            <p:seq concurrent="1" nextAc="seek">
-              <p:cTn id="2" dur="indefinite" nodeType="mainSeq">
-                <p:childTnLst>
-                  <p:par>
-                    <p:cTn id="3" fill="hold">
-                      <p:stCondLst>
-                        <p:cond delay="indefinite"/>
-                        <p:cond evt="onBegin" delay="0">
-                          <p:tn val="2"/>
-                        </p:cond>
-                      </p:stCondLst>
-                      <p:childTnLst>
-                        <p:par>
-                          <p:cTn id="4" fill="hold">
-                            <p:stCondLst>
-                              <p:cond delay="0"/>
-                            </p:stCondLst>
-                            <p:childTnLst>
-                              <p:par>
-                                <p:cTn id="5" presetID="1" presetClass="entr" presetSubtype="0" fill="hold" grpId="0" nodeType="withEffect">
-                                  <p:stCondLst>
-                                    <p:cond delay="0"/>
-                                  </p:stCondLst>
-                                  <p:childTnLst>
-                                    <p:set>
-                                      <p:cBhvr>
-                                        <p:cTn id="6" dur="1" fill="hold">
-                                          <p:stCondLst>
-                                            <p:cond delay="0"/>
-                                          </p:stCondLst>
-                                        </p:cTn>
-                                        <p:tgtEl>
-                                          <p:spTgt spid="16"/>
-                                        </p:tgtEl>
-                                        <p:attrNameLst>
-                                          <p:attrName>style.visibility</p:attrName>
-                                        </p:attrNameLst>
-                                      </p:cBhvr>
-                                      <p:to>
-                                        <p:strVal val="visible"/>
-                                      </p:to>
-                                    </p:set>
-                                  </p:childTnLst>
-                                </p:cTn>
-                              </p:par>
-                            </p:childTnLst>
-                          </p:cTn>
-                        </p:par>
-                      </p:childTnLst>
-                    </p:cTn>
-                  </p:par>
-                  <p:par>
-                    <p:cTn id="7" fill="hold">
-                      <p:stCondLst>
-                        <p:cond delay="indefinite"/>
-                      </p:stCondLst>
-                      <p:childTnLst>
-                        <p:par>
-                          <p:cTn id="8" fill="hold">
-                            <p:stCondLst>
-                              <p:cond delay="0"/>
-                            </p:stCondLst>
-                            <p:childTnLst>
-                              <p:par>
-                                <p:cTn id="9" presetID="1" presetClass="entr" presetSubtype="0" fill="hold" nodeType="clickEffect">
-                                  <p:stCondLst>
-                                    <p:cond delay="0"/>
-                                  </p:stCondLst>
-                                  <p:childTnLst>
-                                    <p:set>
-                                      <p:cBhvr>
-                                        <p:cTn id="10" dur="1" fill="hold">
-                                          <p:stCondLst>
-                                            <p:cond delay="0"/>
-                                          </p:stCondLst>
-                                        </p:cTn>
-                                        <p:tgtEl>
-                                          <p:spTgt spid="3">
-                                            <p:txEl>
-                                              <p:pRg st="4" end="4"/>
-                                            </p:txEl>
-                                          </p:spTgt>
-                                        </p:tgtEl>
-                                        <p:attrNameLst>
-                                          <p:attrName>style.visibility</p:attrName>
-                                        </p:attrNameLst>
-                                      </p:cBhvr>
-                                      <p:to>
-                                        <p:strVal val="visible"/>
-                                      </p:to>
-                                    </p:set>
-                                  </p:childTnLst>
-                                </p:cTn>
-                              </p:par>
-                              <p:par>
-                                <p:cTn id="11" presetID="1" presetClass="entr" presetSubtype="0" fill="hold" nodeType="withEffect">
-                                  <p:stCondLst>
-                                    <p:cond delay="0"/>
-                                  </p:stCondLst>
-                                  <p:childTnLst>
-                                    <p:set>
-                                      <p:cBhvr>
-                                        <p:cTn id="12" dur="1" fill="hold">
-                                          <p:stCondLst>
-                                            <p:cond delay="0"/>
-                                          </p:stCondLst>
-                                        </p:cTn>
-                                        <p:tgtEl>
-                                          <p:spTgt spid="3">
-                                            <p:txEl>
-                                              <p:pRg st="5" end="5"/>
-                                            </p:txEl>
-                                          </p:spTgt>
-                                        </p:tgtEl>
-                                        <p:attrNameLst>
-                                          <p:attrName>style.visibility</p:attrName>
-                                        </p:attrNameLst>
-                                      </p:cBhvr>
-                                      <p:to>
-                                        <p:strVal val="visible"/>
-                                      </p:to>
-                                    </p:set>
-                                  </p:childTnLst>
-                                </p:cTn>
-                              </p:par>
-                              <p:par>
-                                <p:cTn id="13" presetID="1" presetClass="entr" presetSubtype="0" fill="hold" grpId="0" nodeType="withEffect">
-                                  <p:stCondLst>
-                                    <p:cond delay="0"/>
-                                  </p:stCondLst>
-                                  <p:childTnLst>
-                                    <p:set>
-                                      <p:cBhvr>
-                                        <p:cTn id="14" dur="1" fill="hold">
-                                          <p:stCondLst>
-                                            <p:cond delay="0"/>
-                                          </p:stCondLst>
-                                        </p:cTn>
-                                        <p:tgtEl>
-                                          <p:spTgt spid="12"/>
-                                        </p:tgtEl>
-                                        <p:attrNameLst>
-                                          <p:attrName>style.visibility</p:attrName>
-                                        </p:attrNameLst>
-                                      </p:cBhvr>
-                                      <p:to>
-                                        <p:strVal val="visible"/>
-                                      </p:to>
-                                    </p:set>
-                                  </p:childTnLst>
-                                </p:cTn>
-                              </p:par>
-                            </p:childTnLst>
-                          </p:cTn>
-                        </p:par>
-                      </p:childTnLst>
-                    </p:cTn>
-                  </p:par>
-                  <p:par>
-                    <p:cTn id="15" fill="hold">
-                      <p:stCondLst>
-                        <p:cond delay="indefinite"/>
-                      </p:stCondLst>
-                      <p:childTnLst>
-                        <p:par>
-                          <p:cTn id="16" fill="hold">
-                            <p:stCondLst>
-                              <p:cond delay="0"/>
-                            </p:stCondLst>
-                            <p:childTnLst>
-                              <p:par>
-                                <p:cTn id="17" presetID="1" presetClass="entr" presetSubtype="0" fill="hold" nodeType="clickEffect">
-                                  <p:stCondLst>
-                                    <p:cond delay="0"/>
-                                  </p:stCondLst>
-                                  <p:childTnLst>
-                                    <p:set>
-                                      <p:cBhvr>
-                                        <p:cTn id="18" dur="1" fill="hold">
-                                          <p:stCondLst>
-                                            <p:cond delay="0"/>
-                                          </p:stCondLst>
-                                        </p:cTn>
-                                        <p:tgtEl>
-                                          <p:spTgt spid="3">
-                                            <p:txEl>
-                                              <p:pRg st="7" end="7"/>
-                                            </p:txEl>
-                                          </p:spTgt>
-                                        </p:tgtEl>
-                                        <p:attrNameLst>
-                                          <p:attrName>style.visibility</p:attrName>
-                                        </p:attrNameLst>
-                                      </p:cBhvr>
-                                      <p:to>
-                                        <p:strVal val="visible"/>
-                                      </p:to>
-                                    </p:set>
-                                  </p:childTnLst>
-                                </p:cTn>
-                              </p:par>
-                              <p:par>
-                                <p:cTn id="19" presetID="1" presetClass="entr" presetSubtype="0" fill="hold" nodeType="withEffect">
-                                  <p:stCondLst>
-                                    <p:cond delay="0"/>
-                                  </p:stCondLst>
-                                  <p:childTnLst>
-                                    <p:set>
-                                      <p:cBhvr>
-                                        <p:cTn id="20" dur="1" fill="hold">
-                                          <p:stCondLst>
-                                            <p:cond delay="0"/>
-                                          </p:stCondLst>
-                                        </p:cTn>
-                                        <p:tgtEl>
-                                          <p:spTgt spid="3">
-                                            <p:txEl>
-                                              <p:pRg st="8" end="8"/>
-                                            </p:txEl>
-                                          </p:spTgt>
-                                        </p:tgtEl>
-                                        <p:attrNameLst>
-                                          <p:attrName>style.visibility</p:attrName>
-                                        </p:attrNameLst>
-                                      </p:cBhvr>
-                                      <p:to>
-                                        <p:strVal val="visible"/>
-                                      </p:to>
-                                    </p:set>
-                                  </p:childTnLst>
-                                </p:cTn>
-                              </p:par>
-                              <p:par>
-                                <p:cTn id="21" presetID="1" presetClass="entr" presetSubtype="0" fill="hold" nodeType="withEffect">
-                                  <p:stCondLst>
-                                    <p:cond delay="0"/>
-                                  </p:stCondLst>
-                                  <p:childTnLst>
-                                    <p:set>
-                                      <p:cBhvr>
-                                        <p:cTn id="22" dur="1" fill="hold">
-                                          <p:stCondLst>
-                                            <p:cond delay="0"/>
-                                          </p:stCondLst>
-                                        </p:cTn>
-                                        <p:tgtEl>
-                                          <p:spTgt spid="3">
-                                            <p:txEl>
-                                              <p:pRg st="9" end="9"/>
-                                            </p:txEl>
-                                          </p:spTgt>
-                                        </p:tgtEl>
-                                        <p:attrNameLst>
-                                          <p:attrName>style.visibility</p:attrName>
-                                        </p:attrNameLst>
-                                      </p:cBhvr>
-                                      <p:to>
-                                        <p:strVal val="visible"/>
-                                      </p:to>
-                                    </p:set>
-                                  </p:childTnLst>
-                                </p:cTn>
-                              </p:par>
-                            </p:childTnLst>
-                          </p:cTn>
-                        </p:par>
-                      </p:childTnLst>
-                    </p:cTn>
-                  </p:par>
-                  <p:par>
-                    <p:cTn id="23" fill="hold">
-                      <p:stCondLst>
-                        <p:cond delay="indefinite"/>
-                      </p:stCondLst>
-                      <p:childTnLst>
-                        <p:par>
-                          <p:cTn id="24" fill="hold">
-                            <p:stCondLst>
-                              <p:cond delay="0"/>
-                            </p:stCondLst>
-                            <p:childTnLst>
-                              <p:par>
-                                <p:cTn id="25" presetID="1" presetClass="entr" presetSubtype="0" fill="hold" nodeType="clickEffect">
-                                  <p:stCondLst>
-                                    <p:cond delay="0"/>
-                                  </p:stCondLst>
-                                  <p:childTnLst>
-                                    <p:set>
-                                      <p:cBhvr>
-                                        <p:cTn id="26" dur="1" fill="hold">
-                                          <p:stCondLst>
-                                            <p:cond delay="0"/>
-                                          </p:stCondLst>
-                                        </p:cTn>
-                                        <p:tgtEl>
-                                          <p:spTgt spid="3">
-                                            <p:txEl>
-                                              <p:pRg st="11" end="11"/>
-                                            </p:txEl>
-                                          </p:spTgt>
-                                        </p:tgtEl>
-                                        <p:attrNameLst>
-                                          <p:attrName>style.visibility</p:attrName>
-                                        </p:attrNameLst>
-                                      </p:cBhvr>
-                                      <p:to>
-                                        <p:strVal val="visible"/>
-                                      </p:to>
-                                    </p:set>
-                                  </p:childTnLst>
-                                </p:cTn>
-                              </p:par>
-                              <p:par>
-                                <p:cTn id="27" presetID="1" presetClass="entr" presetSubtype="0" fill="hold" nodeType="withEffect">
-                                  <p:stCondLst>
-                                    <p:cond delay="0"/>
-                                  </p:stCondLst>
-                                  <p:childTnLst>
-                                    <p:set>
-                                      <p:cBhvr>
-                                        <p:cTn id="28" dur="1" fill="hold">
-                                          <p:stCondLst>
-                                            <p:cond delay="0"/>
-                                          </p:stCondLst>
-                                        </p:cTn>
-                                        <p:tgtEl>
-                                          <p:spTgt spid="3">
-                                            <p:txEl>
-                                              <p:pRg st="12" end="12"/>
-                                            </p:txEl>
-                                          </p:spTgt>
-                                        </p:tgtEl>
-                                        <p:attrNameLst>
-                                          <p:attrName>style.visibility</p:attrName>
-                                        </p:attrNameLst>
-                                      </p:cBhvr>
-                                      <p:to>
-                                        <p:strVal val="visible"/>
-                                      </p:to>
-                                    </p:set>
-                                  </p:childTnLst>
-                                </p:cTn>
-                              </p:par>
-                            </p:childTnLst>
-                          </p:cTn>
-                        </p:par>
-                      </p:childTnLst>
-                    </p:cTn>
-                  </p:par>
-                </p:childTnLst>
-              </p:cTn>
-              <p:prevCondLst>
-                <p:cond evt="onPrev" delay="0">
-                  <p:tgtEl>
-                    <p:sldTgt/>
-                  </p:tgtEl>
-                </p:cond>
-              </p:prevCondLst>
-              <p:nextCondLst>
-                <p:cond evt="onNext" delay="0">
-                  <p:tgtEl>
-                    <p:sldTgt/>
-                  </p:tgtEl>
-                </p:cond>
-              </p:nextCondLst>
-            </p:seq>
-          </p:childTnLst>
-        </p:cTn>
-      </p:par>
-    </p:tnLst>
-    <p:bldLst>
-      <p:bldP spid="12" grpId="0" animBg="1"/>
-      <p:bldP spid="16" grpId="0" animBg="1"/>
-    </p:bldLst>
-  </p:timing>
-</p:sld>
-</file>
-
-<file path=ppt/slides/slide14.xml><?xml version="1.0" encoding="utf-8"?>
-<p:sld xmlns:a="http://schemas.openxmlformats.org/drawingml/2006/main" xmlns:r="http://schemas.openxmlformats.org/officeDocument/2006/relationships" xmlns:p="http://schemas.openxmlformats.org/presentationml/2006/main">
-  <p:cSld>
-    <p:spTree>
-      <p:nvGrpSpPr>
-        <p:cNvPr id="1" name=""/>
-        <p:cNvGrpSpPr/>
-        <p:nvPr/>
-      </p:nvGrpSpPr>
-      <p:grpSpPr>
-        <a:xfrm>
-          <a:off x="0" y="0"/>
-          <a:ext cx="0" cy="0"/>
-          <a:chOff x="0" y="0"/>
-          <a:chExt cx="0" cy="0"/>
-        </a:xfrm>
-      </p:grpSpPr>
-      <p:sp>
-        <p:nvSpPr>
           <p:cNvPr id="5" name="Title 4">
             <a:extLst>
               <a:ext uri="{FF2B5EF4-FFF2-40B4-BE49-F238E27FC236}">
@@ -18629,7 +16128,7 @@
             <a:fld id="{103EA872-A674-449B-A120-B97244F8E91D}" type="slidenum">
               <a:rPr lang="en-GB" smtClean="0"/>
               <a:pPr/>
-              <a:t>14</a:t>
+              <a:t>13</a:t>
             </a:fld>
             <a:endParaRPr lang="en-GB" dirty="0"/>
           </a:p>
@@ -18674,8 +16173,8 @@
           </a:p>
         </p:txBody>
       </p:sp>
-      <mc:AlternateContent xmlns:mc="http://schemas.openxmlformats.org/markup-compatibility/2006">
-        <mc:Choice xmlns:a14="http://schemas.microsoft.com/office/drawing/2010/main" Requires="a14">
+      <mc:AlternateContent xmlns:mc="http://schemas.openxmlformats.org/markup-compatibility/2006" xmlns:a14="http://schemas.microsoft.com/office/drawing/2010/main">
+        <mc:Choice Requires="a14">
           <p:sp>
             <p:nvSpPr>
               <p:cNvPr id="7" name="Tekstboks 6">
@@ -19027,7 +16526,7 @@
             </p:txBody>
           </p:sp>
         </mc:Choice>
-        <mc:Fallback>
+        <mc:Fallback xmlns="">
           <p:sp>
             <p:nvSpPr>
               <p:cNvPr id="7" name="Tekstboks 6">
@@ -19643,7 +17142,7 @@
 </p:sld>
 </file>
 
-<file path=ppt/slides/slide15.xml><?xml version="1.0" encoding="utf-8"?>
+<file path=ppt/slides/slide14.xml><?xml version="1.0" encoding="utf-8"?>
 <p:sld xmlns:a="http://schemas.openxmlformats.org/drawingml/2006/main" xmlns:r="http://schemas.openxmlformats.org/officeDocument/2006/relationships" xmlns:p="http://schemas.openxmlformats.org/presentationml/2006/main">
   <p:cSld>
     <p:spTree>
@@ -19688,8 +17187,8 @@
           </a:p>
         </p:txBody>
       </p:sp>
-      <mc:AlternateContent xmlns:mc="http://schemas.openxmlformats.org/markup-compatibility/2006" xmlns:a14="http://schemas.microsoft.com/office/drawing/2010/main">
-        <mc:Choice Requires="a14">
+      <mc:AlternateContent xmlns:mc="http://schemas.openxmlformats.org/markup-compatibility/2006">
+        <mc:Choice xmlns:a14="http://schemas.microsoft.com/office/drawing/2010/main" Requires="a14">
           <p:sp>
             <p:nvSpPr>
               <p:cNvPr id="3" name="Content Placeholder 2">
@@ -19829,12 +17328,31 @@
                         </m:d>
                       </m:num>
                       <m:den>
-                        <m:r>
-                          <a:rPr lang="en-US" b="0" i="1" smtClean="0">
-                            <a:latin typeface="Cambria Math" panose="02040503050406030204" pitchFamily="18" charset="0"/>
-                          </a:rPr>
-                          <m:t>𝜆</m:t>
-                        </m:r>
+                        <m:sSup>
+                          <m:sSupPr>
+                            <m:ctrlPr>
+                              <a:rPr lang="en-US" b="0" i="1" smtClean="0">
+                                <a:latin typeface="Cambria Math" panose="02040503050406030204" pitchFamily="18" charset="0"/>
+                              </a:rPr>
+                            </m:ctrlPr>
+                          </m:sSupPr>
+                          <m:e>
+                            <m:r>
+                              <a:rPr lang="en-US" b="0" i="1" smtClean="0">
+                                <a:latin typeface="Cambria Math" panose="02040503050406030204" pitchFamily="18" charset="0"/>
+                              </a:rPr>
+                              <m:t>𝜆</m:t>
+                            </m:r>
+                          </m:e>
+                          <m:sup>
+                            <m:r>
+                              <a:rPr lang="en-US" b="0" i="1" smtClean="0">
+                                <a:latin typeface="Cambria Math" panose="02040503050406030204" pitchFamily="18" charset="0"/>
+                              </a:rPr>
+                              <m:t>3</m:t>
+                            </m:r>
+                          </m:sup>
+                        </m:sSup>
                       </m:den>
                     </m:f>
                     <m:r>
@@ -19843,6 +17361,31 @@
                       </a:rPr>
                       <m:t>&gt;</m:t>
                     </m:r>
+                    <m:f>
+                      <m:fPr>
+                        <m:ctrlPr>
+                          <a:rPr lang="en-US" b="0" i="1" smtClean="0">
+                            <a:latin typeface="Cambria Math" panose="02040503050406030204" pitchFamily="18" charset="0"/>
+                          </a:rPr>
+                        </m:ctrlPr>
+                      </m:fPr>
+                      <m:num>
+                        <m:r>
+                          <a:rPr lang="en-US" b="0" i="1" smtClean="0">
+                            <a:latin typeface="Cambria Math" panose="02040503050406030204" pitchFamily="18" charset="0"/>
+                          </a:rPr>
+                          <m:t>1</m:t>
+                        </m:r>
+                      </m:num>
+                      <m:den>
+                        <m:r>
+                          <a:rPr lang="en-US" b="0" i="1" smtClean="0">
+                            <a:latin typeface="Cambria Math" panose="02040503050406030204" pitchFamily="18" charset="0"/>
+                          </a:rPr>
+                          <m:t>𝜂</m:t>
+                        </m:r>
+                      </m:den>
+                    </m:f>
                     <m:f>
                       <m:fPr>
                         <m:ctrlPr>
@@ -20225,12 +17768,31 @@
                         </m:d>
                       </m:num>
                       <m:den>
-                        <m:r>
-                          <a:rPr lang="en-US" b="0" i="1" smtClean="0">
-                            <a:latin typeface="Cambria Math" panose="02040503050406030204" pitchFamily="18" charset="0"/>
-                          </a:rPr>
-                          <m:t>𝜆</m:t>
-                        </m:r>
+                        <m:sSup>
+                          <m:sSupPr>
+                            <m:ctrlPr>
+                              <a:rPr lang="en-US" b="0" i="1" smtClean="0">
+                                <a:latin typeface="Cambria Math" panose="02040503050406030204" pitchFamily="18" charset="0"/>
+                              </a:rPr>
+                            </m:ctrlPr>
+                          </m:sSupPr>
+                          <m:e>
+                            <m:r>
+                              <a:rPr lang="en-US" b="0" i="1" smtClean="0">
+                                <a:latin typeface="Cambria Math" panose="02040503050406030204" pitchFamily="18" charset="0"/>
+                              </a:rPr>
+                              <m:t>𝜆</m:t>
+                            </m:r>
+                          </m:e>
+                          <m:sup>
+                            <m:r>
+                              <a:rPr lang="en-US" b="0" i="1" smtClean="0">
+                                <a:latin typeface="Cambria Math" panose="02040503050406030204" pitchFamily="18" charset="0"/>
+                              </a:rPr>
+                              <m:t>3</m:t>
+                            </m:r>
+                          </m:sup>
+                        </m:sSup>
                       </m:den>
                     </m:f>
                     <m:r>
@@ -20239,6 +17801,31 @@
                       </a:rPr>
                       <m:t>&lt;</m:t>
                     </m:r>
+                    <m:f>
+                      <m:fPr>
+                        <m:ctrlPr>
+                          <a:rPr lang="en-US" i="1">
+                            <a:latin typeface="Cambria Math" panose="02040503050406030204" pitchFamily="18" charset="0"/>
+                          </a:rPr>
+                        </m:ctrlPr>
+                      </m:fPr>
+                      <m:num>
+                        <m:r>
+                          <a:rPr lang="en-US" i="1">
+                            <a:latin typeface="Cambria Math" panose="02040503050406030204" pitchFamily="18" charset="0"/>
+                          </a:rPr>
+                          <m:t>1</m:t>
+                        </m:r>
+                      </m:num>
+                      <m:den>
+                        <m:r>
+                          <a:rPr lang="en-US" i="1">
+                            <a:latin typeface="Cambria Math" panose="02040503050406030204" pitchFamily="18" charset="0"/>
+                          </a:rPr>
+                          <m:t>𝜂</m:t>
+                        </m:r>
+                      </m:den>
+                    </m:f>
                     <m:f>
                       <m:fPr>
                         <m:ctrlPr>
@@ -20621,12 +18208,31 @@
                         </m:d>
                       </m:num>
                       <m:den>
-                        <m:r>
-                          <a:rPr lang="en-US" i="1">
-                            <a:latin typeface="Cambria Math" panose="02040503050406030204" pitchFamily="18" charset="0"/>
-                          </a:rPr>
-                          <m:t>𝜆</m:t>
-                        </m:r>
+                        <m:sSup>
+                          <m:sSupPr>
+                            <m:ctrlPr>
+                              <a:rPr lang="en-US" b="0" i="1" smtClean="0">
+                                <a:latin typeface="Cambria Math" panose="02040503050406030204" pitchFamily="18" charset="0"/>
+                              </a:rPr>
+                            </m:ctrlPr>
+                          </m:sSupPr>
+                          <m:e>
+                            <m:r>
+                              <a:rPr lang="en-US" i="1">
+                                <a:latin typeface="Cambria Math" panose="02040503050406030204" pitchFamily="18" charset="0"/>
+                              </a:rPr>
+                              <m:t>𝜆</m:t>
+                            </m:r>
+                          </m:e>
+                          <m:sup>
+                            <m:r>
+                              <a:rPr lang="en-US" b="0" i="1" smtClean="0">
+                                <a:latin typeface="Cambria Math" panose="02040503050406030204" pitchFamily="18" charset="0"/>
+                              </a:rPr>
+                              <m:t>3</m:t>
+                            </m:r>
+                          </m:sup>
+                        </m:sSup>
                       </m:den>
                     </m:f>
                     <m:r>
@@ -20635,6 +18241,31 @@
                       </a:rPr>
                       <m:t>=</m:t>
                     </m:r>
+                    <m:f>
+                      <m:fPr>
+                        <m:ctrlPr>
+                          <a:rPr lang="en-US" i="1">
+                            <a:latin typeface="Cambria Math" panose="02040503050406030204" pitchFamily="18" charset="0"/>
+                          </a:rPr>
+                        </m:ctrlPr>
+                      </m:fPr>
+                      <m:num>
+                        <m:r>
+                          <a:rPr lang="en-US" i="1">
+                            <a:latin typeface="Cambria Math" panose="02040503050406030204" pitchFamily="18" charset="0"/>
+                          </a:rPr>
+                          <m:t>1</m:t>
+                        </m:r>
+                      </m:num>
+                      <m:den>
+                        <m:r>
+                          <a:rPr lang="en-US" i="1">
+                            <a:latin typeface="Cambria Math" panose="02040503050406030204" pitchFamily="18" charset="0"/>
+                          </a:rPr>
+                          <m:t>𝜂</m:t>
+                        </m:r>
+                      </m:den>
+                    </m:f>
                     <m:f>
                       <m:fPr>
                         <m:ctrlPr>
@@ -20906,7 +18537,7 @@
             </p:txBody>
           </p:sp>
         </mc:Choice>
-        <mc:Fallback xmlns="">
+        <mc:Fallback>
           <p:sp>
             <p:nvSpPr>
               <p:cNvPr id="3" name="Content Placeholder 2">
@@ -20931,7 +18562,7 @@
               <a:blipFill>
                 <a:blip r:embed="rId2"/>
                 <a:stretch>
-                  <a:fillRect l="-1461" t="-1985"/>
+                  <a:fillRect l="-1461" t="-1985" r="-1129"/>
                 </a:stretch>
               </a:blipFill>
             </p:spPr>
@@ -20974,7 +18605,7 @@
             <a:fld id="{103EA872-A674-449B-A120-B97244F8E91D}" type="slidenum">
               <a:rPr lang="en-GB" smtClean="0"/>
               <a:pPr/>
-              <a:t>15</a:t>
+              <a:t>14</a:t>
             </a:fld>
             <a:endParaRPr lang="en-GB" dirty="0"/>
           </a:p>
@@ -21530,7 +19161,7 @@
 </p:sld>
 </file>
 
-<file path=ppt/slides/slide16.xml><?xml version="1.0" encoding="utf-8"?>
+<file path=ppt/slides/slide15.xml><?xml version="1.0" encoding="utf-8"?>
 <p:sld xmlns:a="http://schemas.openxmlformats.org/drawingml/2006/main" xmlns:r="http://schemas.openxmlformats.org/officeDocument/2006/relationships" xmlns:p="http://schemas.openxmlformats.org/presentationml/2006/main">
   <p:cSld>
     <p:spTree>
@@ -21627,7 +19258,7 @@
             <a:fld id="{103EA872-A674-449B-A120-B97244F8E91D}" type="slidenum">
               <a:rPr lang="en-GB" smtClean="0"/>
               <a:pPr/>
-              <a:t>16</a:t>
+              <a:t>15</a:t>
             </a:fld>
             <a:endParaRPr lang="en-GB" dirty="0"/>
           </a:p>
@@ -23540,7 +21171,7 @@
 </p:sld>
 </file>
 
-<file path=ppt/slides/slide17.xml><?xml version="1.0" encoding="utf-8"?>
+<file path=ppt/slides/slide16.xml><?xml version="1.0" encoding="utf-8"?>
 <p:sld xmlns:a="http://schemas.openxmlformats.org/drawingml/2006/main" xmlns:r="http://schemas.openxmlformats.org/officeDocument/2006/relationships" xmlns:p="http://schemas.openxmlformats.org/presentationml/2006/main">
   <p:cSld>
     <p:spTree>
@@ -23774,7 +21405,7 @@
             <a:fld id="{103EA872-A674-449B-A120-B97244F8E91D}" type="slidenum">
               <a:rPr lang="en-GB" smtClean="0"/>
               <a:pPr/>
-              <a:t>17</a:t>
+              <a:t>16</a:t>
             </a:fld>
             <a:endParaRPr lang="en-GB" dirty="0"/>
           </a:p>
@@ -24714,8 +22345,8 @@
             </a:extLst>
           </p:spPr>
         </p:cxnSp>
-        <mc:AlternateContent xmlns:mc="http://schemas.openxmlformats.org/markup-compatibility/2006" xmlns:a14="http://schemas.microsoft.com/office/drawing/2010/main">
-          <mc:Choice Requires="a14">
+        <mc:AlternateContent xmlns:mc="http://schemas.openxmlformats.org/markup-compatibility/2006">
+          <mc:Choice xmlns:a14="http://schemas.microsoft.com/office/drawing/2010/main" Requires="a14">
             <p:sp>
               <p:nvSpPr>
                 <p:cNvPr id="29" name="Oval 28">
@@ -24806,14 +22437,14 @@
                           </m:e>
                         </m:acc>
                         <m:r>
-                          <a:rPr lang="en-US" i="1" dirty="0">
+                          <a:rPr lang="en-US" b="0" i="1" dirty="0" smtClean="0">
                             <a:solidFill>
                               <a:schemeClr val="bg1"/>
                             </a:solidFill>
                             <a:latin typeface="Cambria Math" panose="02040503050406030204" pitchFamily="18" charset="0"/>
                             <a:ea typeface="Cambria Math" panose="02040503050406030204" pitchFamily="18" charset="0"/>
                           </a:rPr>
-                          <m:t>↑</m:t>
+                          <m:t>&gt;0</m:t>
                         </m:r>
                       </m:oMath>
                     </m:oMathPara>
@@ -24827,7 +22458,7 @@
               </p:txBody>
             </p:sp>
           </mc:Choice>
-          <mc:Fallback xmlns="">
+          <mc:Fallback>
             <p:sp>
               <p:nvSpPr>
                 <p:cNvPr id="29" name="Oval 28">
@@ -25675,8 +23306,8 @@
             </p:sp>
           </mc:Fallback>
         </mc:AlternateContent>
-        <mc:AlternateContent xmlns:mc="http://schemas.openxmlformats.org/markup-compatibility/2006" xmlns:a14="http://schemas.microsoft.com/office/drawing/2010/main">
-          <mc:Choice Requires="a14">
+        <mc:AlternateContent xmlns:mc="http://schemas.openxmlformats.org/markup-compatibility/2006">
+          <mc:Choice xmlns:a14="http://schemas.microsoft.com/office/drawing/2010/main" Requires="a14">
             <p:sp>
               <p:nvSpPr>
                 <p:cNvPr id="37" name="Oval 36">
@@ -25741,7 +23372,7 @@
                           <m:accPr>
                             <m:chr m:val="̇"/>
                             <m:ctrlPr>
-                              <a:rPr lang="en-US" i="1" dirty="0">
+                              <a:rPr lang="en-US" i="1" dirty="0" smtClean="0">
                                 <a:solidFill>
                                   <a:schemeClr val="bg1"/>
                                 </a:solidFill>
@@ -25767,14 +23398,14 @@
                           </m:e>
                         </m:acc>
                         <m:r>
-                          <a:rPr lang="en-US" i="1" dirty="0">
+                          <a:rPr lang="en-US" b="0" i="1" dirty="0" smtClean="0">
                             <a:solidFill>
                               <a:schemeClr val="bg1"/>
                             </a:solidFill>
                             <a:latin typeface="Cambria Math" panose="02040503050406030204" pitchFamily="18" charset="0"/>
                             <a:ea typeface="Cambria Math" panose="02040503050406030204" pitchFamily="18" charset="0"/>
                           </a:rPr>
-                          <m:t>↓</m:t>
+                          <m:t>&lt;0</m:t>
                         </m:r>
                       </m:oMath>
                     </m:oMathPara>
@@ -25788,7 +23419,7 @@
               </p:txBody>
             </p:sp>
           </mc:Choice>
-          <mc:Fallback xmlns="">
+          <mc:Fallback>
             <p:sp>
               <p:nvSpPr>
                 <p:cNvPr id="37" name="Oval 36">
@@ -26144,7 +23775,7 @@
 </p:sld>
 </file>
 
-<file path=ppt/slides/slide18.xml><?xml version="1.0" encoding="utf-8"?>
+<file path=ppt/slides/slide17.xml><?xml version="1.0" encoding="utf-8"?>
 <p:sld xmlns:a="http://schemas.openxmlformats.org/drawingml/2006/main" xmlns:r="http://schemas.openxmlformats.org/officeDocument/2006/relationships" xmlns:p="http://schemas.openxmlformats.org/presentationml/2006/main">
   <p:cSld>
     <p:spTree>
@@ -27098,7 +24729,7 @@
 </p:sld>
 </file>
 
-<file path=ppt/slides/slide19.xml><?xml version="1.0" encoding="utf-8"?>
+<file path=ppt/slides/slide18.xml><?xml version="1.0" encoding="utf-8"?>
 <p:sld xmlns:a="http://schemas.openxmlformats.org/drawingml/2006/main" xmlns:r="http://schemas.openxmlformats.org/officeDocument/2006/relationships" xmlns:p="http://schemas.openxmlformats.org/presentationml/2006/main">
   <p:cSld>
     <p:spTree>
@@ -27450,249 +25081,7 @@
 </p:sld>
 </file>
 
-<file path=ppt/slides/slide2.xml><?xml version="1.0" encoding="utf-8"?>
-<p:sld xmlns:a="http://schemas.openxmlformats.org/drawingml/2006/main" xmlns:r="http://schemas.openxmlformats.org/officeDocument/2006/relationships" xmlns:p="http://schemas.openxmlformats.org/presentationml/2006/main">
-  <p:cSld>
-    <p:spTree>
-      <p:nvGrpSpPr>
-        <p:cNvPr id="1" name=""/>
-        <p:cNvGrpSpPr/>
-        <p:nvPr/>
-      </p:nvGrpSpPr>
-      <p:grpSpPr>
-        <a:xfrm>
-          <a:off x="0" y="0"/>
-          <a:ext cx="0" cy="0"/>
-          <a:chOff x="0" y="0"/>
-          <a:chExt cx="0" cy="0"/>
-        </a:xfrm>
-      </p:grpSpPr>
-      <p:sp>
-        <p:nvSpPr>
-          <p:cNvPr id="4" name="Title 3">
-            <a:extLst>
-              <a:ext uri="{FF2B5EF4-FFF2-40B4-BE49-F238E27FC236}">
-                <a16:creationId xmlns:a16="http://schemas.microsoft.com/office/drawing/2014/main" id="{674358EA-4D5B-461F-997D-DE6729900DE7}"/>
-              </a:ext>
-            </a:extLst>
-          </p:cNvPr>
-          <p:cNvSpPr>
-            <a:spLocks noGrp="1"/>
-          </p:cNvSpPr>
-          <p:nvPr>
-            <p:ph type="ctrTitle"/>
-          </p:nvPr>
-        </p:nvSpPr>
-        <p:spPr>
-          <a:xfrm>
-            <a:off x="190550" y="2132856"/>
-            <a:ext cx="11738634" cy="2706458"/>
-          </a:xfrm>
-        </p:spPr>
-        <p:txBody>
-          <a:bodyPr/>
-          <a:lstStyle/>
-          <a:p>
-            <a:r>
-              <a:rPr lang="en-GB" b="0" dirty="0"/>
-              <a:t>Controller design and tuning</a:t>
-            </a:r>
-          </a:p>
-        </p:txBody>
-      </p:sp>
-      <p:sp>
-        <p:nvSpPr>
-          <p:cNvPr id="5" name="Subtitle 4">
-            <a:extLst>
-              <a:ext uri="{FF2B5EF4-FFF2-40B4-BE49-F238E27FC236}">
-                <a16:creationId xmlns:a16="http://schemas.microsoft.com/office/drawing/2014/main" id="{88CE6942-A17C-4247-86C6-41FACF7E90AC}"/>
-              </a:ext>
-            </a:extLst>
-          </p:cNvPr>
-          <p:cNvSpPr>
-            <a:spLocks noGrp="1"/>
-          </p:cNvSpPr>
-          <p:nvPr>
-            <p:ph type="subTitle" idx="1"/>
-          </p:nvPr>
-        </p:nvSpPr>
-        <p:spPr>
-          <a:xfrm>
-            <a:off x="261228" y="332656"/>
-            <a:ext cx="10840028" cy="1660654"/>
-          </a:xfrm>
-        </p:spPr>
-        <p:txBody>
-          <a:bodyPr/>
-          <a:lstStyle/>
-          <a:p>
-            <a:r>
-              <a:rPr lang="en-GB" dirty="0"/>
-              <a:t>Wind Turbine Control Online Course </a:t>
-            </a:r>
-          </a:p>
-        </p:txBody>
-      </p:sp>
-      <p:sp>
-        <p:nvSpPr>
-          <p:cNvPr id="3" name="Slide Number Placeholder 2">
-            <a:extLst>
-              <a:ext uri="{FF2B5EF4-FFF2-40B4-BE49-F238E27FC236}">
-                <a16:creationId xmlns:a16="http://schemas.microsoft.com/office/drawing/2014/main" id="{0AA221E4-1851-497D-90EE-984C7112166A}"/>
-              </a:ext>
-            </a:extLst>
-          </p:cNvPr>
-          <p:cNvSpPr>
-            <a:spLocks noGrp="1"/>
-          </p:cNvSpPr>
-          <p:nvPr>
-            <p:ph type="sldNum" sz="quarter" idx="17"/>
-          </p:nvPr>
-        </p:nvSpPr>
-        <p:spPr/>
-        <p:txBody>
-          <a:bodyPr/>
-          <a:lstStyle/>
-          <a:p>
-            <a:fld id="{24C8C45C-947F-4981-8B3F-4F32E973C901}" type="slidenum">
-              <a:rPr lang="en-GB" smtClean="0"/>
-              <a:pPr/>
-              <a:t>2</a:t>
-            </a:fld>
-            <a:endParaRPr lang="en-GB" dirty="0"/>
-          </a:p>
-        </p:txBody>
-      </p:sp>
-      <p:sp>
-        <p:nvSpPr>
-          <p:cNvPr id="8" name="Rectangle 7"/>
-          <p:cNvSpPr/>
-          <p:nvPr/>
-        </p:nvSpPr>
-        <p:spPr>
-          <a:xfrm>
-            <a:off x="261228" y="4581128"/>
-            <a:ext cx="6046290" cy="1815882"/>
-          </a:xfrm>
-          <a:prstGeom prst="rect">
-            <a:avLst/>
-          </a:prstGeom>
-        </p:spPr>
-        <p:txBody>
-          <a:bodyPr wrap="square">
-            <a:spAutoFit/>
-          </a:bodyPr>
-          <a:lstStyle/>
-          <a:p>
-            <a:pPr>
-              <a:tabLst>
-                <a:tab pos="1790700" algn="l"/>
-              </a:tabLst>
-            </a:pPr>
-            <a:r>
-              <a:rPr lang="en-GB" b="1" kern="0" dirty="0">
-                <a:solidFill>
-                  <a:schemeClr val="bg1"/>
-                </a:solidFill>
-                <a:latin typeface="+mn-lt"/>
-                <a:ea typeface="+mn-ea"/>
-              </a:rPr>
-              <a:t>Alan Wai Hou Lio</a:t>
-            </a:r>
-          </a:p>
-          <a:p>
-            <a:pPr>
-              <a:tabLst>
-                <a:tab pos="1790700" algn="l"/>
-              </a:tabLst>
-            </a:pPr>
-            <a:r>
-              <a:rPr lang="en-GB" b="1" kern="0" dirty="0">
-                <a:solidFill>
-                  <a:schemeClr val="bg1"/>
-                </a:solidFill>
-                <a:latin typeface="+mn-lt"/>
-                <a:ea typeface="+mn-ea"/>
-              </a:rPr>
-              <a:t>Researcher, DTU Wind Energy</a:t>
-            </a:r>
-          </a:p>
-          <a:p>
-            <a:pPr>
-              <a:tabLst>
-                <a:tab pos="1790700" algn="l"/>
-              </a:tabLst>
-            </a:pPr>
-            <a:r>
-              <a:rPr lang="en-GB" b="1" kern="0" dirty="0">
-                <a:solidFill>
-                  <a:schemeClr val="bg1"/>
-                </a:solidFill>
-                <a:latin typeface="+mn-lt"/>
-                <a:ea typeface="+mn-ea"/>
-                <a:hlinkClick r:id="rId4"/>
-              </a:rPr>
-              <a:t>wali@dtu.dk</a:t>
-            </a:r>
-            <a:endParaRPr lang="en-GB" b="1" kern="0" dirty="0">
-              <a:solidFill>
-                <a:schemeClr val="bg1"/>
-              </a:solidFill>
-              <a:latin typeface="+mn-lt"/>
-              <a:ea typeface="+mn-ea"/>
-            </a:endParaRPr>
-          </a:p>
-          <a:p>
-            <a:pPr>
-              <a:tabLst>
-                <a:tab pos="1790700" algn="l"/>
-              </a:tabLst>
-            </a:pPr>
-            <a:endParaRPr lang="en-GB" b="1" kern="0" dirty="0">
-              <a:solidFill>
-                <a:schemeClr val="bg1"/>
-              </a:solidFill>
-              <a:latin typeface="+mn-lt"/>
-              <a:ea typeface="+mn-ea"/>
-            </a:endParaRPr>
-          </a:p>
-          <a:p>
-            <a:pPr>
-              <a:tabLst>
-                <a:tab pos="1790700" algn="l"/>
-              </a:tabLst>
-            </a:pPr>
-            <a:r>
-              <a:rPr lang="en-GB" b="1" kern="0" dirty="0">
-                <a:solidFill>
-                  <a:schemeClr val="bg1"/>
-                </a:solidFill>
-                <a:latin typeface="+mn-lt"/>
-                <a:ea typeface="+mn-ea"/>
-              </a:rPr>
-              <a:t>	</a:t>
-            </a:r>
-          </a:p>
-        </p:txBody>
-      </p:sp>
-    </p:spTree>
-    <p:custDataLst>
-      <p:custData r:id="rId1"/>
-      <p:custData r:id="rId2"/>
-    </p:custDataLst>
-    <p:extLst>
-      <p:ext uri="{BB962C8B-B14F-4D97-AF65-F5344CB8AC3E}">
-        <p14:creationId xmlns:p14="http://schemas.microsoft.com/office/powerpoint/2010/main" val="886120306"/>
-      </p:ext>
-    </p:extLst>
-  </p:cSld>
-  <p:clrMapOvr>
-    <a:masterClrMapping/>
-  </p:clrMapOvr>
-</p:sld>
-</file>
-
-<file path=ppt/slides/slide20.xml><?xml version="1.0" encoding="utf-8"?>
+<file path=ppt/slides/slide19.xml><?xml version="1.0" encoding="utf-8"?>
 <p:sld xmlns:a="http://schemas.openxmlformats.org/drawingml/2006/main" xmlns:r="http://schemas.openxmlformats.org/officeDocument/2006/relationships" xmlns:p="http://schemas.openxmlformats.org/presentationml/2006/main">
   <p:cSld>
     <p:spTree>
@@ -27889,7 +25278,7 @@
             <a:fld id="{103EA872-A674-449B-A120-B97244F8E91D}" type="slidenum">
               <a:rPr lang="en-GB" smtClean="0"/>
               <a:pPr/>
-              <a:t>20</a:t>
+              <a:t>19</a:t>
             </a:fld>
             <a:endParaRPr lang="en-GB" dirty="0"/>
           </a:p>
@@ -28469,7 +25858,249 @@
 </p:sld>
 </file>
 
-<file path=ppt/slides/slide21.xml><?xml version="1.0" encoding="utf-8"?>
+<file path=ppt/slides/slide2.xml><?xml version="1.0" encoding="utf-8"?>
+<p:sld xmlns:a="http://schemas.openxmlformats.org/drawingml/2006/main" xmlns:r="http://schemas.openxmlformats.org/officeDocument/2006/relationships" xmlns:p="http://schemas.openxmlformats.org/presentationml/2006/main">
+  <p:cSld>
+    <p:spTree>
+      <p:nvGrpSpPr>
+        <p:cNvPr id="1" name=""/>
+        <p:cNvGrpSpPr/>
+        <p:nvPr/>
+      </p:nvGrpSpPr>
+      <p:grpSpPr>
+        <a:xfrm>
+          <a:off x="0" y="0"/>
+          <a:ext cx="0" cy="0"/>
+          <a:chOff x="0" y="0"/>
+          <a:chExt cx="0" cy="0"/>
+        </a:xfrm>
+      </p:grpSpPr>
+      <p:sp>
+        <p:nvSpPr>
+          <p:cNvPr id="4" name="Title 3">
+            <a:extLst>
+              <a:ext uri="{FF2B5EF4-FFF2-40B4-BE49-F238E27FC236}">
+                <a16:creationId xmlns:a16="http://schemas.microsoft.com/office/drawing/2014/main" id="{674358EA-4D5B-461F-997D-DE6729900DE7}"/>
+              </a:ext>
+            </a:extLst>
+          </p:cNvPr>
+          <p:cNvSpPr>
+            <a:spLocks noGrp="1"/>
+          </p:cNvSpPr>
+          <p:nvPr>
+            <p:ph type="ctrTitle"/>
+          </p:nvPr>
+        </p:nvSpPr>
+        <p:spPr>
+          <a:xfrm>
+            <a:off x="190550" y="2132856"/>
+            <a:ext cx="11738634" cy="2706458"/>
+          </a:xfrm>
+        </p:spPr>
+        <p:txBody>
+          <a:bodyPr/>
+          <a:lstStyle/>
+          <a:p>
+            <a:r>
+              <a:rPr lang="en-GB" b="0" dirty="0"/>
+              <a:t>Controller design and tuning</a:t>
+            </a:r>
+          </a:p>
+        </p:txBody>
+      </p:sp>
+      <p:sp>
+        <p:nvSpPr>
+          <p:cNvPr id="5" name="Subtitle 4">
+            <a:extLst>
+              <a:ext uri="{FF2B5EF4-FFF2-40B4-BE49-F238E27FC236}">
+                <a16:creationId xmlns:a16="http://schemas.microsoft.com/office/drawing/2014/main" id="{88CE6942-A17C-4247-86C6-41FACF7E90AC}"/>
+              </a:ext>
+            </a:extLst>
+          </p:cNvPr>
+          <p:cNvSpPr>
+            <a:spLocks noGrp="1"/>
+          </p:cNvSpPr>
+          <p:nvPr>
+            <p:ph type="subTitle" idx="1"/>
+          </p:nvPr>
+        </p:nvSpPr>
+        <p:spPr>
+          <a:xfrm>
+            <a:off x="261228" y="332656"/>
+            <a:ext cx="10840028" cy="1660654"/>
+          </a:xfrm>
+        </p:spPr>
+        <p:txBody>
+          <a:bodyPr/>
+          <a:lstStyle/>
+          <a:p>
+            <a:r>
+              <a:rPr lang="en-GB" dirty="0"/>
+              <a:t>Wind Turbine Control Online Course </a:t>
+            </a:r>
+          </a:p>
+        </p:txBody>
+      </p:sp>
+      <p:sp>
+        <p:nvSpPr>
+          <p:cNvPr id="3" name="Slide Number Placeholder 2">
+            <a:extLst>
+              <a:ext uri="{FF2B5EF4-FFF2-40B4-BE49-F238E27FC236}">
+                <a16:creationId xmlns:a16="http://schemas.microsoft.com/office/drawing/2014/main" id="{0AA221E4-1851-497D-90EE-984C7112166A}"/>
+              </a:ext>
+            </a:extLst>
+          </p:cNvPr>
+          <p:cNvSpPr>
+            <a:spLocks noGrp="1"/>
+          </p:cNvSpPr>
+          <p:nvPr>
+            <p:ph type="sldNum" sz="quarter" idx="17"/>
+          </p:nvPr>
+        </p:nvSpPr>
+        <p:spPr/>
+        <p:txBody>
+          <a:bodyPr/>
+          <a:lstStyle/>
+          <a:p>
+            <a:fld id="{24C8C45C-947F-4981-8B3F-4F32E973C901}" type="slidenum">
+              <a:rPr lang="en-GB" smtClean="0"/>
+              <a:pPr/>
+              <a:t>2</a:t>
+            </a:fld>
+            <a:endParaRPr lang="en-GB" dirty="0"/>
+          </a:p>
+        </p:txBody>
+      </p:sp>
+      <p:sp>
+        <p:nvSpPr>
+          <p:cNvPr id="8" name="Rectangle 7"/>
+          <p:cNvSpPr/>
+          <p:nvPr/>
+        </p:nvSpPr>
+        <p:spPr>
+          <a:xfrm>
+            <a:off x="261228" y="4581128"/>
+            <a:ext cx="6046290" cy="1815882"/>
+          </a:xfrm>
+          <a:prstGeom prst="rect">
+            <a:avLst/>
+          </a:prstGeom>
+        </p:spPr>
+        <p:txBody>
+          <a:bodyPr wrap="square">
+            <a:spAutoFit/>
+          </a:bodyPr>
+          <a:lstStyle/>
+          <a:p>
+            <a:pPr>
+              <a:tabLst>
+                <a:tab pos="1790700" algn="l"/>
+              </a:tabLst>
+            </a:pPr>
+            <a:r>
+              <a:rPr lang="en-GB" b="1" kern="0" dirty="0">
+                <a:solidFill>
+                  <a:schemeClr val="bg1"/>
+                </a:solidFill>
+                <a:latin typeface="+mn-lt"/>
+                <a:ea typeface="+mn-ea"/>
+              </a:rPr>
+              <a:t>Alan Wai Hou Lio</a:t>
+            </a:r>
+          </a:p>
+          <a:p>
+            <a:pPr>
+              <a:tabLst>
+                <a:tab pos="1790700" algn="l"/>
+              </a:tabLst>
+            </a:pPr>
+            <a:r>
+              <a:rPr lang="en-GB" b="1" kern="0" dirty="0">
+                <a:solidFill>
+                  <a:schemeClr val="bg1"/>
+                </a:solidFill>
+                <a:latin typeface="+mn-lt"/>
+                <a:ea typeface="+mn-ea"/>
+              </a:rPr>
+              <a:t>Researcher, DTU Wind Energy</a:t>
+            </a:r>
+          </a:p>
+          <a:p>
+            <a:pPr>
+              <a:tabLst>
+                <a:tab pos="1790700" algn="l"/>
+              </a:tabLst>
+            </a:pPr>
+            <a:r>
+              <a:rPr lang="en-GB" b="1" kern="0" dirty="0">
+                <a:solidFill>
+                  <a:schemeClr val="bg1"/>
+                </a:solidFill>
+                <a:latin typeface="+mn-lt"/>
+                <a:ea typeface="+mn-ea"/>
+                <a:hlinkClick r:id="rId4"/>
+              </a:rPr>
+              <a:t>wali@dtu.dk</a:t>
+            </a:r>
+            <a:endParaRPr lang="en-GB" b="1" kern="0" dirty="0">
+              <a:solidFill>
+                <a:schemeClr val="bg1"/>
+              </a:solidFill>
+              <a:latin typeface="+mn-lt"/>
+              <a:ea typeface="+mn-ea"/>
+            </a:endParaRPr>
+          </a:p>
+          <a:p>
+            <a:pPr>
+              <a:tabLst>
+                <a:tab pos="1790700" algn="l"/>
+              </a:tabLst>
+            </a:pPr>
+            <a:endParaRPr lang="en-GB" b="1" kern="0" dirty="0">
+              <a:solidFill>
+                <a:schemeClr val="bg1"/>
+              </a:solidFill>
+              <a:latin typeface="+mn-lt"/>
+              <a:ea typeface="+mn-ea"/>
+            </a:endParaRPr>
+          </a:p>
+          <a:p>
+            <a:pPr>
+              <a:tabLst>
+                <a:tab pos="1790700" algn="l"/>
+              </a:tabLst>
+            </a:pPr>
+            <a:r>
+              <a:rPr lang="en-GB" b="1" kern="0" dirty="0">
+                <a:solidFill>
+                  <a:schemeClr val="bg1"/>
+                </a:solidFill>
+                <a:latin typeface="+mn-lt"/>
+                <a:ea typeface="+mn-ea"/>
+              </a:rPr>
+              <a:t>	</a:t>
+            </a:r>
+          </a:p>
+        </p:txBody>
+      </p:sp>
+    </p:spTree>
+    <p:custDataLst>
+      <p:custData r:id="rId1"/>
+      <p:custData r:id="rId2"/>
+    </p:custDataLst>
+    <p:extLst>
+      <p:ext uri="{BB962C8B-B14F-4D97-AF65-F5344CB8AC3E}">
+        <p14:creationId xmlns:p14="http://schemas.microsoft.com/office/powerpoint/2010/main" val="886120306"/>
+      </p:ext>
+    </p:extLst>
+  </p:cSld>
+  <p:clrMapOvr>
+    <a:masterClrMapping/>
+  </p:clrMapOvr>
+</p:sld>
+</file>
+
+<file path=ppt/slides/slide20.xml><?xml version="1.0" encoding="utf-8"?>
 <p:sld xmlns:a="http://schemas.openxmlformats.org/drawingml/2006/main" xmlns:r="http://schemas.openxmlformats.org/officeDocument/2006/relationships" xmlns:p="http://schemas.openxmlformats.org/presentationml/2006/main">
   <p:cSld>
     <p:spTree>
@@ -28565,7 +26196,7 @@
             <a:fld id="{103EA872-A674-449B-A120-B97244F8E91D}" type="slidenum">
               <a:rPr lang="en-GB" smtClean="0"/>
               <a:pPr/>
-              <a:t>21</a:t>
+              <a:t>20</a:t>
             </a:fld>
             <a:endParaRPr lang="en-GB" dirty="0"/>
           </a:p>
@@ -28766,7 +26397,7 @@
 </p:sld>
 </file>
 
-<file path=ppt/slides/slide22.xml><?xml version="1.0" encoding="utf-8"?>
+<file path=ppt/slides/slide21.xml><?xml version="1.0" encoding="utf-8"?>
 <p:sld xmlns:a="http://schemas.openxmlformats.org/drawingml/2006/main" xmlns:r="http://schemas.openxmlformats.org/officeDocument/2006/relationships" xmlns:p="http://schemas.openxmlformats.org/presentationml/2006/main">
   <p:cSld>
     <p:spTree>
@@ -28901,7 +26532,7 @@
             <a:fld id="{103EA872-A674-449B-A120-B97244F8E91D}" type="slidenum">
               <a:rPr lang="en-GB" smtClean="0"/>
               <a:pPr/>
-              <a:t>22</a:t>
+              <a:t>21</a:t>
             </a:fld>
             <a:endParaRPr lang="en-GB" dirty="0"/>
           </a:p>
@@ -38920,11 +36551,11 @@
 </file>
 
 <file path=customXml/item1.xml><?xml version="1.0" encoding="utf-8"?>
-<TemplafyTemplateConfiguration><![CDATA[{"elementsMetadata":[{"type":"shape","id":"32e20b93-f8f0-4438-9d21-6230dbd4e858","elementConfiguration":{"binding":"UserProfile.Offices.Workarea_{{DocumentLanguage}}","disableUpdates":false,"type":"text"}},{"type":"shape","id":"405b9a8a-8b41-41ab-8c32-d93f4eb448bf","elementConfiguration":{"binding":"Form.Date","format":"{{DateFormats.GeneralDate}}","disableUpdates":false,"type":"date"}},{"type":"shape","id":"bd0d50e4-bc21-458e-ac32-a32373239190","elementConfiguration":{"binding":"Form.PresentationTitle","disableUpdates":false,"type":"text"}}],"transformationConfigurations":[{"language":"{{DocumentLanguage}}","disableUpdates":false,"type":"proofingLanguage"}],"templateName":"DTU Template 16_9 - Corporate red","templateDescription":"","enableDocumentContentUpdater":true,"version":"1.2"}]]></TemplafyTemplateConfiguration>
+<TemplafyFormConfiguration><![CDATA[{"formFields":[{"required":false,"type":"datePicker","name":"Date","label":"Date","helpTexts":{"prefix":"","postfix":""},"spacing":{},"fullyQualifiedName":"Date"},{"required":false,"placeholder":"","lines":0,"type":"textBox","name":"PresentationTitle","label":"Presentation title","helpTexts":{"prefix":"","postfix":""},"spacing":{},"fullyQualifiedName":"PresentationTitle"}],"formDataEntries":[{"name":"Date","value":"PnsfeoxcHdexsFDJRc+F1w=="},{"name":"PresentationTitle","value":"5qZa9KNE5dI4CZIuE8IxJrsQ70zUCsU1321BQATlq68="}]}]]></TemplafyFormConfiguration>
 </file>
 
 <file path=customXml/item2.xml><?xml version="1.0" encoding="utf-8"?>
-<TemplafyFormConfiguration><![CDATA[{"formFields":[{"required":false,"type":"datePicker","name":"Date","label":"Date","helpTexts":{"prefix":"","postfix":""},"spacing":{},"fullyQualifiedName":"Date"},{"required":false,"placeholder":"","lines":0,"type":"textBox","name":"PresentationTitle","label":"Presentation title","helpTexts":{"prefix":"","postfix":""},"spacing":{},"fullyQualifiedName":"PresentationTitle"}],"formDataEntries":[{"name":"Date","value":"PnsfeoxcHdexsFDJRc+F1w=="},{"name":"PresentationTitle","value":"5qZa9KNE5dI4CZIuE8IxJrsQ70zUCsU1321BQATlq68="}]}]]></TemplafyFormConfiguration>
+<TemplafyTemplateConfiguration><![CDATA[{"elementsMetadata":[{"type":"shape","id":"32e20b93-f8f0-4438-9d21-6230dbd4e858","elementConfiguration":{"binding":"UserProfile.Offices.Workarea_{{DocumentLanguage}}","disableUpdates":false,"type":"text"}},{"type":"shape","id":"405b9a8a-8b41-41ab-8c32-d93f4eb448bf","elementConfiguration":{"binding":"Form.Date","format":"{{DateFormats.GeneralDate}}","disableUpdates":false,"type":"date"}},{"type":"shape","id":"bd0d50e4-bc21-458e-ac32-a32373239190","elementConfiguration":{"binding":"Form.PresentationTitle","disableUpdates":false,"type":"text"}}],"transformationConfigurations":[{"language":"{{DocumentLanguage}}","disableUpdates":false,"type":"proofingLanguage"}],"templateName":"DTU Template 16_9 - Corporate red","templateDescription":"","enableDocumentContentUpdater":true,"version":"1.2"}]]></TemplafyTemplateConfiguration>
 </file>
 
 <file path=customXml/item3.xml><?xml version="1.0" encoding="utf-8"?>
@@ -38952,13 +36583,13 @@
 </file>
 
 <file path=customXml/itemProps1.xml><?xml version="1.0" encoding="utf-8"?>
-<ds:datastoreItem xmlns:ds="http://schemas.openxmlformats.org/officeDocument/2006/customXml" ds:itemID="{1334258C-C3E7-4029-A615-C886A240FB15}">
+<ds:datastoreItem xmlns:ds="http://schemas.openxmlformats.org/officeDocument/2006/customXml" ds:itemID="{43763224-B85A-4B53-A86A-261D26A71C30}">
   <ds:schemaRefs/>
 </ds:datastoreItem>
 </file>
 
 <file path=customXml/itemProps2.xml><?xml version="1.0" encoding="utf-8"?>
-<ds:datastoreItem xmlns:ds="http://schemas.openxmlformats.org/officeDocument/2006/customXml" ds:itemID="{43763224-B85A-4B53-A86A-261D26A71C30}">
+<ds:datastoreItem xmlns:ds="http://schemas.openxmlformats.org/officeDocument/2006/customXml" ds:itemID="{1334258C-C3E7-4029-A615-C886A240FB15}">
   <ds:schemaRefs/>
 </ds:datastoreItem>
 </file>
